--- a/Intro to Python/Introduction to Python 2022.pptx
+++ b/Intro to Python/Introduction to Python 2022.pptx
@@ -5,7 +5,7 @@
     <p:sldMasterId id="2147483660" r:id="rId1"/>
   </p:sldMasterIdLst>
   <p:notesMasterIdLst>
-    <p:notesMasterId r:id="rId19"/>
+    <p:notesMasterId r:id="rId27"/>
   </p:notesMasterIdLst>
   <p:sldIdLst>
     <p:sldId id="270" r:id="rId2"/>
@@ -23,8 +23,16 @@
     <p:sldId id="284" r:id="rId14"/>
     <p:sldId id="808" r:id="rId15"/>
     <p:sldId id="809" r:id="rId16"/>
-    <p:sldId id="807" r:id="rId17"/>
-    <p:sldId id="286" r:id="rId18"/>
+    <p:sldId id="286" r:id="rId17"/>
+    <p:sldId id="807" r:id="rId18"/>
+    <p:sldId id="812" r:id="rId19"/>
+    <p:sldId id="813" r:id="rId20"/>
+    <p:sldId id="814" r:id="rId21"/>
+    <p:sldId id="815" r:id="rId22"/>
+    <p:sldId id="816" r:id="rId23"/>
+    <p:sldId id="817" r:id="rId24"/>
+    <p:sldId id="810" r:id="rId25"/>
+    <p:sldId id="811" r:id="rId26"/>
   </p:sldIdLst>
   <p:sldSz cx="12192000" cy="6858000"/>
   <p:notesSz cx="6858000" cy="9144000"/>
@@ -213,7 +221,7 @@
           <a:p>
             <a:fld id="{A0F41D4B-CFB3-0D4E-A430-7BBBAC2BA96F}" type="datetimeFigureOut">
               <a:rPr lang="en-US" smtClean="0"/>
-              <a:t>6/13/22</a:t>
+              <a:t>4/5/23</a:t>
             </a:fld>
             <a:endParaRPr lang="en-US"/>
           </a:p>
@@ -663,7 +671,7 @@
           <a:p>
             <a:fld id="{F81F79DC-AA76-184B-B2EE-E00D82DC9264}" type="slidenum">
               <a:rPr lang="en-US" smtClean="0"/>
-              <a:t>17</a:t>
+              <a:t>16</a:t>
             </a:fld>
             <a:endParaRPr lang="en-US"/>
           </a:p>
@@ -673,6 +681,99 @@
     <p:extLst>
       <p:ext uri="{BB962C8B-B14F-4D97-AF65-F5344CB8AC3E}">
         <p14:creationId xmlns:p14="http://schemas.microsoft.com/office/powerpoint/2010/main" val="3289461048"/>
+      </p:ext>
+    </p:extLst>
+  </p:cSld>
+  <p:clrMapOvr>
+    <a:masterClrMapping/>
+  </p:clrMapOvr>
+</p:notes>
+</file>
+
+<file path=ppt/notesSlides/notesSlide3.xml><?xml version="1.0" encoding="utf-8"?>
+<p:notes xmlns:a="http://schemas.openxmlformats.org/drawingml/2006/main" xmlns:r="http://schemas.openxmlformats.org/officeDocument/2006/relationships" xmlns:p="http://schemas.openxmlformats.org/presentationml/2006/main">
+  <p:cSld>
+    <p:spTree>
+      <p:nvGrpSpPr>
+        <p:cNvPr id="1" name=""/>
+        <p:cNvGrpSpPr/>
+        <p:nvPr/>
+      </p:nvGrpSpPr>
+      <p:grpSpPr>
+        <a:xfrm>
+          <a:off x="0" y="0"/>
+          <a:ext cx="0" cy="0"/>
+          <a:chOff x="0" y="0"/>
+          <a:chExt cx="0" cy="0"/>
+        </a:xfrm>
+      </p:grpSpPr>
+      <p:sp>
+        <p:nvSpPr>
+          <p:cNvPr id="2" name="Slide Image Placeholder 1"/>
+          <p:cNvSpPr>
+            <a:spLocks noGrp="1" noRot="1" noChangeAspect="1"/>
+          </p:cNvSpPr>
+          <p:nvPr>
+            <p:ph type="sldImg"/>
+          </p:nvPr>
+        </p:nvSpPr>
+        <p:spPr/>
+      </p:sp>
+      <p:sp>
+        <p:nvSpPr>
+          <p:cNvPr id="3" name="Notes Placeholder 2"/>
+          <p:cNvSpPr>
+            <a:spLocks noGrp="1"/>
+          </p:cNvSpPr>
+          <p:nvPr>
+            <p:ph type="body" idx="1"/>
+          </p:nvPr>
+        </p:nvSpPr>
+        <p:spPr/>
+        <p:txBody>
+          <a:bodyPr/>
+          <a:lstStyle/>
+          <a:p>
+            <a:r>
+              <a:rPr lang="en-US" dirty="0"/>
+              <a:t>Starting in the deep end</a:t>
+            </a:r>
+          </a:p>
+          <a:p>
+            <a:r>
+              <a:rPr lang="en-US" dirty="0"/>
+              <a:t>A high level pass to learn a lot of basic functionality followed by more complex functionality.</a:t>
+            </a:r>
+          </a:p>
+        </p:txBody>
+      </p:sp>
+      <p:sp>
+        <p:nvSpPr>
+          <p:cNvPr id="4" name="Slide Number Placeholder 3"/>
+          <p:cNvSpPr>
+            <a:spLocks noGrp="1"/>
+          </p:cNvSpPr>
+          <p:nvPr>
+            <p:ph type="sldNum" sz="quarter" idx="5"/>
+          </p:nvPr>
+        </p:nvSpPr>
+        <p:spPr/>
+        <p:txBody>
+          <a:bodyPr/>
+          <a:lstStyle/>
+          <a:p>
+            <a:fld id="{F81F79DC-AA76-184B-B2EE-E00D82DC9264}" type="slidenum">
+              <a:rPr lang="en-US" smtClean="0"/>
+              <a:t>25</a:t>
+            </a:fld>
+            <a:endParaRPr lang="en-US"/>
+          </a:p>
+        </p:txBody>
+      </p:sp>
+    </p:spTree>
+    <p:extLst>
+      <p:ext uri="{BB962C8B-B14F-4D97-AF65-F5344CB8AC3E}">
+        <p14:creationId xmlns:p14="http://schemas.microsoft.com/office/powerpoint/2010/main" val="2384442247"/>
       </p:ext>
     </p:extLst>
   </p:cSld>
@@ -5533,7 +5634,7 @@
           <a:p>
             <a:fld id="{C3209869-A49B-0F43-8250-D5D86EE211F2}" type="datetime1">
               <a:rPr lang="en-US" smtClean="0"/>
-              <a:t>6/13/22</a:t>
+              <a:t>4/5/23</a:t>
             </a:fld>
             <a:endParaRPr lang="en-US"/>
           </a:p>
@@ -5953,7 +6054,7 @@
           <a:p>
             <a:fld id="{46480A61-1A55-554F-A686-45D14101AC4B}" type="datetime1">
               <a:rPr lang="en-US" smtClean="0"/>
-              <a:t>6/13/22</a:t>
+              <a:t>4/5/23</a:t>
             </a:fld>
             <a:endParaRPr lang="en-US"/>
           </a:p>
@@ -6102,7 +6203,7 @@
           <a:p>
             <a:fld id="{FE80D497-8296-1A49-B9C1-D3B612427478}" type="datetime1">
               <a:rPr lang="en-US" smtClean="0"/>
-              <a:t>6/13/22</a:t>
+              <a:t>4/5/23</a:t>
             </a:fld>
             <a:endParaRPr lang="en-US"/>
           </a:p>
@@ -6223,7 +6324,7 @@
           <a:p>
             <a:fld id="{1F22C011-7865-5048-A95B-631B9202F0F9}" type="datetime1">
               <a:rPr lang="en-US" smtClean="0"/>
-              <a:t>6/13/22</a:t>
+              <a:t>4/5/23</a:t>
             </a:fld>
             <a:endParaRPr lang="en-US"/>
           </a:p>
@@ -6505,7 +6606,7 @@
           <a:p>
             <a:fld id="{7E87BDCA-44EB-294D-8E72-F741F7A15C96}" type="datetime1">
               <a:rPr lang="en-US" smtClean="0"/>
-              <a:t>6/13/22</a:t>
+              <a:t>4/5/23</a:t>
             </a:fld>
             <a:endParaRPr lang="en-US"/>
           </a:p>
@@ -6800,7 +6901,7 @@
           <a:p>
             <a:fld id="{EC22B62B-5EDE-5B4E-B9F8-E5FD034E0FBA}" type="datetime1">
               <a:rPr lang="en-US" smtClean="0"/>
-              <a:t>6/13/22</a:t>
+              <a:t>4/5/23</a:t>
             </a:fld>
             <a:endParaRPr lang="en-US"/>
           </a:p>
@@ -7039,7 +7140,7 @@
           <a:p>
             <a:fld id="{31964FAB-1EF5-904F-8A49-2CC878F51979}" type="datetime1">
               <a:rPr lang="en-US" smtClean="0"/>
-              <a:t>6/13/22</a:t>
+              <a:t>4/5/23</a:t>
             </a:fld>
             <a:endParaRPr lang="en-US"/>
           </a:p>
@@ -7255,7 +7356,7 @@
           <a:p>
             <a:fld id="{0B563F99-4425-BF47-B7E8-4B8F0671C0F8}" type="datetime1">
               <a:rPr lang="en-US" smtClean="0"/>
-              <a:t>6/13/22</a:t>
+              <a:t>4/5/23</a:t>
             </a:fld>
             <a:endParaRPr lang="en-US"/>
           </a:p>
@@ -7504,7 +7605,7 @@
           <a:p>
             <a:fld id="{7D4AC5D4-4DFD-B247-BBAF-C7E7EB1873DE}" type="datetime1">
               <a:rPr lang="en-US" smtClean="0"/>
-              <a:t>6/13/22</a:t>
+              <a:t>4/5/23</a:t>
             </a:fld>
             <a:endParaRPr lang="en-US"/>
           </a:p>
@@ -7714,7 +7815,7 @@
           <a:p>
             <a:fld id="{73EC9CDD-0D3A-5B4D-83AF-A15BE78D2014}" type="datetime1">
               <a:rPr lang="en-US" smtClean="0"/>
-              <a:t>6/13/22</a:t>
+              <a:t>4/5/23</a:t>
             </a:fld>
             <a:endParaRPr lang="en-US"/>
           </a:p>
@@ -8019,7 +8120,7 @@
           <a:p>
             <a:fld id="{59DED624-2D47-5546-9F2F-1AD9FE2BA5A2}" type="datetime1">
               <a:rPr lang="en-US" smtClean="0"/>
-              <a:t>6/13/22</a:t>
+              <a:t>4/5/23</a:t>
             </a:fld>
             <a:endParaRPr lang="en-US"/>
           </a:p>
@@ -8282,7 +8383,7 @@
           <a:p>
             <a:fld id="{02AD8D6E-F9A6-034C-B1FC-FDFDDC731708}" type="datetime1">
               <a:rPr lang="en-US" smtClean="0"/>
-              <a:t>6/13/22</a:t>
+              <a:t>4/5/23</a:t>
             </a:fld>
             <a:endParaRPr lang="en-US"/>
           </a:p>
@@ -8608,7 +8709,7 @@
           <a:p>
             <a:fld id="{833117D6-5371-FF41-8A68-95B4F1DF0810}" type="datetime1">
               <a:rPr lang="en-US" smtClean="0"/>
-              <a:t>6/13/22</a:t>
+              <a:t>4/5/23</a:t>
             </a:fld>
             <a:endParaRPr lang="en-US"/>
           </a:p>
@@ -9147,7 +9248,7 @@
           <a:p>
             <a:fld id="{F94F975F-580E-AC44-976D-89B9838529D0}" type="datetime1">
               <a:rPr lang="en-US" smtClean="0"/>
-              <a:t>6/13/22</a:t>
+              <a:t>4/5/23</a:t>
             </a:fld>
             <a:endParaRPr lang="en-US"/>
           </a:p>
@@ -10102,7 +10203,7 @@
           <a:p>
             <a:fld id="{1DE502F8-FCC4-9D41-9BDC-1F36C2998BFB}" type="datetime1">
               <a:rPr lang="en-US" smtClean="0"/>
-              <a:t>6/13/22</a:t>
+              <a:t>4/5/23</a:t>
             </a:fld>
             <a:endParaRPr lang="en-US"/>
           </a:p>
@@ -12500,7 +12601,7 @@
           <p:cNvPr id="2" name="Title 1">
             <a:extLst>
               <a:ext uri="{FF2B5EF4-FFF2-40B4-BE49-F238E27FC236}">
-                <a16:creationId xmlns:a16="http://schemas.microsoft.com/office/drawing/2014/main" id="{E76592ED-90D9-134B-96E6-2C29571945AF}"/>
+                <a16:creationId xmlns:a16="http://schemas.microsoft.com/office/drawing/2014/main" id="{F7B6BFBE-B897-6C49-A2C7-69DE615C53FB}"/>
               </a:ext>
             </a:extLst>
           </p:cNvPr>
@@ -12518,17 +12619,105 @@
           <a:p>
             <a:r>
               <a:rPr lang="en-US" dirty="0"/>
-              <a:t>A few pandas basics</a:t>
-            </a:r>
-          </a:p>
-        </p:txBody>
-      </p:sp>
-      <p:sp>
-        <p:nvSpPr>
-          <p:cNvPr id="3" name="Slide Number Placeholder 2">
-            <a:extLst>
-              <a:ext uri="{FF2B5EF4-FFF2-40B4-BE49-F238E27FC236}">
-                <a16:creationId xmlns:a16="http://schemas.microsoft.com/office/drawing/2014/main" id="{23627427-3393-7A4B-9300-EC6626F374C1}"/>
+              <a:t>Some terminology</a:t>
+            </a:r>
+          </a:p>
+        </p:txBody>
+      </p:sp>
+      <p:sp>
+        <p:nvSpPr>
+          <p:cNvPr id="3" name="Content Placeholder 2">
+            <a:extLst>
+              <a:ext uri="{FF2B5EF4-FFF2-40B4-BE49-F238E27FC236}">
+                <a16:creationId xmlns:a16="http://schemas.microsoft.com/office/drawing/2014/main" id="{8ED4732B-C59A-F348-B8DE-D45B13A86027}"/>
+              </a:ext>
+            </a:extLst>
+          </p:cNvPr>
+          <p:cNvSpPr>
+            <a:spLocks noGrp="1"/>
+          </p:cNvSpPr>
+          <p:nvPr>
+            <p:ph idx="1"/>
+          </p:nvPr>
+        </p:nvSpPr>
+        <p:spPr>
+          <a:xfrm>
+            <a:off x="218485" y="1100767"/>
+            <a:ext cx="4044131" cy="5076928"/>
+          </a:xfrm>
+        </p:spPr>
+        <p:txBody>
+          <a:bodyPr/>
+          <a:lstStyle/>
+          <a:p>
+            <a:endParaRPr lang="en-US" dirty="0"/>
+          </a:p>
+          <a:p>
+            <a:r>
+              <a:rPr lang="en-US" dirty="0"/>
+              <a:t>Module</a:t>
+            </a:r>
+          </a:p>
+          <a:p>
+            <a:pPr lvl="1"/>
+            <a:r>
+              <a:rPr lang="en-US" dirty="0"/>
+              <a:t>collection of functions</a:t>
+            </a:r>
+          </a:p>
+          <a:p>
+            <a:pPr lvl="1"/>
+            <a:r>
+              <a:rPr lang="en-US" dirty="0"/>
+              <a:t>has a file extension </a:t>
+            </a:r>
+            <a:r>
+              <a:rPr lang="en-US" i="1" dirty="0"/>
+              <a:t>.</a:t>
+            </a:r>
+            <a:r>
+              <a:rPr lang="en-US" i="1" dirty="0" err="1"/>
+              <a:t>py</a:t>
+            </a:r>
+            <a:endParaRPr lang="en-US" i="1" dirty="0"/>
+          </a:p>
+          <a:p>
+            <a:r>
+              <a:rPr lang="en-US" dirty="0"/>
+              <a:t>Package</a:t>
+            </a:r>
+          </a:p>
+          <a:p>
+            <a:pPr lvl="1"/>
+            <a:r>
+              <a:rPr lang="en-US" dirty="0"/>
+              <a:t>collection of related modules</a:t>
+            </a:r>
+          </a:p>
+          <a:p>
+            <a:r>
+              <a:rPr lang="en-US" dirty="0"/>
+              <a:t>Library</a:t>
+            </a:r>
+          </a:p>
+          <a:p>
+            <a:pPr lvl="1"/>
+            <a:r>
+              <a:rPr lang="en-US" dirty="0"/>
+              <a:t>a loose umbrella term</a:t>
+            </a:r>
+          </a:p>
+          <a:p>
+            <a:endParaRPr lang="en-US" dirty="0"/>
+          </a:p>
+        </p:txBody>
+      </p:sp>
+      <p:sp>
+        <p:nvSpPr>
+          <p:cNvPr id="5" name="Slide Number Placeholder 4">
+            <a:extLst>
+              <a:ext uri="{FF2B5EF4-FFF2-40B4-BE49-F238E27FC236}">
+                <a16:creationId xmlns:a16="http://schemas.microsoft.com/office/drawing/2014/main" id="{93DECB6B-0088-9F47-8940-62A6B0213731}"/>
               </a:ext>
             </a:extLst>
           </p:cNvPr>
@@ -12547,6 +12736,393 @@
             <a:fld id="{7E148853-E3D6-9C4C-AD78-5A3B6F6ECFF0}" type="slidenum">
               <a:rPr lang="en-US" smtClean="0"/>
               <a:t>16</a:t>
+            </a:fld>
+            <a:endParaRPr lang="en-US"/>
+          </a:p>
+        </p:txBody>
+      </p:sp>
+      <p:sp>
+        <p:nvSpPr>
+          <p:cNvPr id="4" name="TextBox 3">
+            <a:extLst>
+              <a:ext uri="{FF2B5EF4-FFF2-40B4-BE49-F238E27FC236}">
+                <a16:creationId xmlns:a16="http://schemas.microsoft.com/office/drawing/2014/main" id="{AE0518AF-0D06-DB4E-9742-7D03F90A4EA8}"/>
+              </a:ext>
+            </a:extLst>
+          </p:cNvPr>
+          <p:cNvSpPr txBox="1"/>
+          <p:nvPr/>
+        </p:nvSpPr>
+        <p:spPr>
+          <a:xfrm>
+            <a:off x="5046388" y="1375038"/>
+            <a:ext cx="3288080" cy="1200329"/>
+          </a:xfrm>
+          <a:prstGeom prst="rect">
+            <a:avLst/>
+          </a:prstGeom>
+          <a:noFill/>
+        </p:spPr>
+        <p:txBody>
+          <a:bodyPr wrap="none" rtlCol="0">
+            <a:spAutoFit/>
+          </a:bodyPr>
+          <a:lstStyle/>
+          <a:p>
+            <a:r>
+              <a:rPr lang="en-US" dirty="0"/>
+              <a:t>All packages are modules.</a:t>
+            </a:r>
+          </a:p>
+          <a:p>
+            <a:r>
+              <a:rPr lang="en-US" dirty="0"/>
+              <a:t>Not all modules are packages.</a:t>
+            </a:r>
+          </a:p>
+          <a:p>
+            <a:endParaRPr lang="en-US" dirty="0"/>
+          </a:p>
+          <a:p>
+            <a:r>
+              <a:rPr lang="en-US" dirty="0" err="1"/>
+              <a:t>pandas.dataframe.info</a:t>
+            </a:r>
+            <a:r>
+              <a:rPr lang="en-US" dirty="0"/>
+              <a:t>()</a:t>
+            </a:r>
+          </a:p>
+        </p:txBody>
+      </p:sp>
+      <p:sp>
+        <p:nvSpPr>
+          <p:cNvPr id="6" name="TextBox 5">
+            <a:extLst>
+              <a:ext uri="{FF2B5EF4-FFF2-40B4-BE49-F238E27FC236}">
+                <a16:creationId xmlns:a16="http://schemas.microsoft.com/office/drawing/2014/main" id="{BCF5859A-1B06-9F49-9AF3-8BE9C83ECE8F}"/>
+              </a:ext>
+            </a:extLst>
+          </p:cNvPr>
+          <p:cNvSpPr txBox="1"/>
+          <p:nvPr/>
+        </p:nvSpPr>
+        <p:spPr>
+          <a:xfrm>
+            <a:off x="4541634" y="3082275"/>
+            <a:ext cx="1112466" cy="984885"/>
+          </a:xfrm>
+          <a:prstGeom prst="rect">
+            <a:avLst/>
+          </a:prstGeom>
+          <a:noFill/>
+        </p:spPr>
+        <p:txBody>
+          <a:bodyPr wrap="square" rtlCol="0">
+            <a:spAutoFit/>
+          </a:bodyPr>
+          <a:lstStyle/>
+          <a:p>
+            <a:r>
+              <a:rPr lang="en-US" dirty="0"/>
+              <a:t>package</a:t>
+            </a:r>
+          </a:p>
+          <a:p>
+            <a:r>
+              <a:rPr lang="en-US" sz="1000" dirty="0"/>
+              <a:t>(sometimes called a library;</a:t>
+            </a:r>
+          </a:p>
+          <a:p>
+            <a:r>
+              <a:rPr lang="en-US" sz="1000" dirty="0"/>
+              <a:t>sometimes called a module)</a:t>
+            </a:r>
+          </a:p>
+        </p:txBody>
+      </p:sp>
+      <p:sp>
+        <p:nvSpPr>
+          <p:cNvPr id="7" name="TextBox 6">
+            <a:extLst>
+              <a:ext uri="{FF2B5EF4-FFF2-40B4-BE49-F238E27FC236}">
+                <a16:creationId xmlns:a16="http://schemas.microsoft.com/office/drawing/2014/main" id="{C1003471-3A9E-F147-9837-8F850B56FA8D}"/>
+              </a:ext>
+            </a:extLst>
+          </p:cNvPr>
+          <p:cNvSpPr txBox="1"/>
+          <p:nvPr/>
+        </p:nvSpPr>
+        <p:spPr>
+          <a:xfrm>
+            <a:off x="5933118" y="3082275"/>
+            <a:ext cx="1210177" cy="954107"/>
+          </a:xfrm>
+          <a:prstGeom prst="rect">
+            <a:avLst/>
+          </a:prstGeom>
+          <a:noFill/>
+        </p:spPr>
+        <p:txBody>
+          <a:bodyPr wrap="square" rtlCol="0">
+            <a:spAutoFit/>
+          </a:bodyPr>
+          <a:lstStyle/>
+          <a:p>
+            <a:r>
+              <a:rPr lang="en-US" dirty="0"/>
+              <a:t>module</a:t>
+            </a:r>
+            <a:endParaRPr lang="en-US" sz="1050" dirty="0"/>
+          </a:p>
+          <a:p>
+            <a:r>
+              <a:rPr lang="en-US" sz="1000" dirty="0"/>
+              <a:t>(sometimes called a submodule)</a:t>
+            </a:r>
+          </a:p>
+          <a:p>
+            <a:endParaRPr lang="en-US" dirty="0"/>
+          </a:p>
+        </p:txBody>
+      </p:sp>
+      <p:sp>
+        <p:nvSpPr>
+          <p:cNvPr id="8" name="TextBox 7">
+            <a:extLst>
+              <a:ext uri="{FF2B5EF4-FFF2-40B4-BE49-F238E27FC236}">
+                <a16:creationId xmlns:a16="http://schemas.microsoft.com/office/drawing/2014/main" id="{C16AEA24-A2B1-2D41-983C-B56F8F00C326}"/>
+              </a:ext>
+            </a:extLst>
+          </p:cNvPr>
+          <p:cNvSpPr txBox="1"/>
+          <p:nvPr/>
+        </p:nvSpPr>
+        <p:spPr>
+          <a:xfrm>
+            <a:off x="7417393" y="3082275"/>
+            <a:ext cx="992579" cy="369332"/>
+          </a:xfrm>
+          <a:prstGeom prst="rect">
+            <a:avLst/>
+          </a:prstGeom>
+          <a:noFill/>
+        </p:spPr>
+        <p:txBody>
+          <a:bodyPr wrap="none" rtlCol="0">
+            <a:spAutoFit/>
+          </a:bodyPr>
+          <a:lstStyle/>
+          <a:p>
+            <a:r>
+              <a:rPr lang="en-US" dirty="0"/>
+              <a:t>function</a:t>
+            </a:r>
+          </a:p>
+        </p:txBody>
+      </p:sp>
+      <p:cxnSp>
+        <p:nvCxnSpPr>
+          <p:cNvPr id="10" name="Straight Arrow Connector 9">
+            <a:extLst>
+              <a:ext uri="{FF2B5EF4-FFF2-40B4-BE49-F238E27FC236}">
+                <a16:creationId xmlns:a16="http://schemas.microsoft.com/office/drawing/2014/main" id="{AD14D1F0-F828-C94F-BA74-12D5DA93A7BB}"/>
+              </a:ext>
+            </a:extLst>
+          </p:cNvPr>
+          <p:cNvCxnSpPr>
+            <a:cxnSpLocks/>
+          </p:cNvCxnSpPr>
+          <p:nvPr/>
+        </p:nvCxnSpPr>
+        <p:spPr>
+          <a:xfrm flipV="1">
+            <a:off x="5135765" y="2575367"/>
+            <a:ext cx="295633" cy="353464"/>
+          </a:xfrm>
+          <a:prstGeom prst="straightConnector1">
+            <a:avLst/>
+          </a:prstGeom>
+          <a:ln>
+            <a:tailEnd type="triangle"/>
+          </a:ln>
+        </p:spPr>
+        <p:style>
+          <a:lnRef idx="1">
+            <a:schemeClr val="accent1"/>
+          </a:lnRef>
+          <a:fillRef idx="0">
+            <a:schemeClr val="accent1"/>
+          </a:fillRef>
+          <a:effectRef idx="0">
+            <a:schemeClr val="accent1"/>
+          </a:effectRef>
+          <a:fontRef idx="minor">
+            <a:schemeClr val="tx1"/>
+          </a:fontRef>
+        </p:style>
+      </p:cxnSp>
+      <p:cxnSp>
+        <p:nvCxnSpPr>
+          <p:cNvPr id="12" name="Straight Arrow Connector 11">
+            <a:extLst>
+              <a:ext uri="{FF2B5EF4-FFF2-40B4-BE49-F238E27FC236}">
+                <a16:creationId xmlns:a16="http://schemas.microsoft.com/office/drawing/2014/main" id="{F675B9DF-A317-0745-ACAF-5DE6AC49BBA1}"/>
+              </a:ext>
+            </a:extLst>
+          </p:cNvPr>
+          <p:cNvCxnSpPr/>
+          <p:nvPr/>
+        </p:nvCxnSpPr>
+        <p:spPr>
+          <a:xfrm flipV="1">
+            <a:off x="6535746" y="2575367"/>
+            <a:ext cx="0" cy="401589"/>
+          </a:xfrm>
+          <a:prstGeom prst="straightConnector1">
+            <a:avLst/>
+          </a:prstGeom>
+          <a:ln>
+            <a:tailEnd type="triangle"/>
+          </a:ln>
+        </p:spPr>
+        <p:style>
+          <a:lnRef idx="1">
+            <a:schemeClr val="accent1"/>
+          </a:lnRef>
+          <a:fillRef idx="0">
+            <a:schemeClr val="accent1"/>
+          </a:fillRef>
+          <a:effectRef idx="0">
+            <a:schemeClr val="accent1"/>
+          </a:effectRef>
+          <a:fontRef idx="minor">
+            <a:schemeClr val="tx1"/>
+          </a:fontRef>
+        </p:style>
+      </p:cxnSp>
+      <p:cxnSp>
+        <p:nvCxnSpPr>
+          <p:cNvPr id="14" name="Straight Arrow Connector 13">
+            <a:extLst>
+              <a:ext uri="{FF2B5EF4-FFF2-40B4-BE49-F238E27FC236}">
+                <a16:creationId xmlns:a16="http://schemas.microsoft.com/office/drawing/2014/main" id="{8014A139-C2E7-3B47-8C98-DDB14413CF20}"/>
+              </a:ext>
+            </a:extLst>
+          </p:cNvPr>
+          <p:cNvCxnSpPr/>
+          <p:nvPr/>
+        </p:nvCxnSpPr>
+        <p:spPr>
+          <a:xfrm flipH="1" flipV="1">
+            <a:off x="7466454" y="2575367"/>
+            <a:ext cx="447228" cy="353463"/>
+          </a:xfrm>
+          <a:prstGeom prst="straightConnector1">
+            <a:avLst/>
+          </a:prstGeom>
+          <a:ln>
+            <a:tailEnd type="triangle"/>
+          </a:ln>
+        </p:spPr>
+        <p:style>
+          <a:lnRef idx="1">
+            <a:schemeClr val="accent1"/>
+          </a:lnRef>
+          <a:fillRef idx="0">
+            <a:schemeClr val="accent1"/>
+          </a:fillRef>
+          <a:effectRef idx="0">
+            <a:schemeClr val="accent1"/>
+          </a:effectRef>
+          <a:fontRef idx="minor">
+            <a:schemeClr val="tx1"/>
+          </a:fontRef>
+        </p:style>
+      </p:cxnSp>
+    </p:spTree>
+    <p:extLst>
+      <p:ext uri="{BB962C8B-B14F-4D97-AF65-F5344CB8AC3E}">
+        <p14:creationId xmlns:p14="http://schemas.microsoft.com/office/powerpoint/2010/main" val="2211513313"/>
+      </p:ext>
+    </p:extLst>
+  </p:cSld>
+  <p:clrMapOvr>
+    <a:masterClrMapping/>
+  </p:clrMapOvr>
+</p:sld>
+</file>
+
+<file path=ppt/slides/slide17.xml><?xml version="1.0" encoding="utf-8"?>
+<p:sld xmlns:a="http://schemas.openxmlformats.org/drawingml/2006/main" xmlns:r="http://schemas.openxmlformats.org/officeDocument/2006/relationships" xmlns:p="http://schemas.openxmlformats.org/presentationml/2006/main">
+  <p:cSld>
+    <p:spTree>
+      <p:nvGrpSpPr>
+        <p:cNvPr id="1" name=""/>
+        <p:cNvGrpSpPr/>
+        <p:nvPr/>
+      </p:nvGrpSpPr>
+      <p:grpSpPr>
+        <a:xfrm>
+          <a:off x="0" y="0"/>
+          <a:ext cx="0" cy="0"/>
+          <a:chOff x="0" y="0"/>
+          <a:chExt cx="0" cy="0"/>
+        </a:xfrm>
+      </p:grpSpPr>
+      <p:sp>
+        <p:nvSpPr>
+          <p:cNvPr id="2" name="Title 1">
+            <a:extLst>
+              <a:ext uri="{FF2B5EF4-FFF2-40B4-BE49-F238E27FC236}">
+                <a16:creationId xmlns:a16="http://schemas.microsoft.com/office/drawing/2014/main" id="{E76592ED-90D9-134B-96E6-2C29571945AF}"/>
+              </a:ext>
+            </a:extLst>
+          </p:cNvPr>
+          <p:cNvSpPr>
+            <a:spLocks noGrp="1"/>
+          </p:cNvSpPr>
+          <p:nvPr>
+            <p:ph type="title"/>
+          </p:nvPr>
+        </p:nvSpPr>
+        <p:spPr/>
+        <p:txBody>
+          <a:bodyPr/>
+          <a:lstStyle/>
+          <a:p>
+            <a:r>
+              <a:rPr lang="en-US" dirty="0"/>
+              <a:t>A few pandas basics</a:t>
+            </a:r>
+          </a:p>
+        </p:txBody>
+      </p:sp>
+      <p:sp>
+        <p:nvSpPr>
+          <p:cNvPr id="3" name="Slide Number Placeholder 2">
+            <a:extLst>
+              <a:ext uri="{FF2B5EF4-FFF2-40B4-BE49-F238E27FC236}">
+                <a16:creationId xmlns:a16="http://schemas.microsoft.com/office/drawing/2014/main" id="{23627427-3393-7A4B-9300-EC6626F374C1}"/>
+              </a:ext>
+            </a:extLst>
+          </p:cNvPr>
+          <p:cNvSpPr>
+            <a:spLocks noGrp="1"/>
+          </p:cNvSpPr>
+          <p:nvPr>
+            <p:ph type="sldNum" sz="quarter" idx="12"/>
+          </p:nvPr>
+        </p:nvSpPr>
+        <p:spPr/>
+        <p:txBody>
+          <a:bodyPr/>
+          <a:lstStyle/>
+          <a:p>
+            <a:fld id="{7E148853-E3D6-9C4C-AD78-5A3B6F6ECFF0}" type="slidenum">
+              <a:rPr lang="en-US" smtClean="0"/>
+              <a:t>17</a:t>
             </a:fld>
             <a:endParaRPr lang="en-US"/>
           </a:p>
@@ -13118,7 +13694,7 @@
 </p:sld>
 </file>
 
-<file path=ppt/slides/slide17.xml><?xml version="1.0" encoding="utf-8"?>
+<file path=ppt/slides/slide18.xml><?xml version="1.0" encoding="utf-8"?>
 <p:sld xmlns:a="http://schemas.openxmlformats.org/drawingml/2006/main" xmlns:r="http://schemas.openxmlformats.org/officeDocument/2006/relationships" xmlns:p="http://schemas.openxmlformats.org/presentationml/2006/main">
   <p:cSld>
     <p:spTree>
@@ -13140,7 +13716,7 @@
           <p:cNvPr id="2" name="Title 1">
             <a:extLst>
               <a:ext uri="{FF2B5EF4-FFF2-40B4-BE49-F238E27FC236}">
-                <a16:creationId xmlns:a16="http://schemas.microsoft.com/office/drawing/2014/main" id="{F7B6BFBE-B897-6C49-A2C7-69DE615C53FB}"/>
+                <a16:creationId xmlns:a16="http://schemas.microsoft.com/office/drawing/2014/main" id="{F34B3103-F3C3-DA48-8175-7B3EA3E1EDAF}"/>
               </a:ext>
             </a:extLst>
           </p:cNvPr>
@@ -13158,7 +13734,121 @@
           <a:p>
             <a:r>
               <a:rPr lang="en-US" dirty="0"/>
-              <a:t>Some terminology</a:t>
+              <a:t>Day 1 Recap</a:t>
+            </a:r>
+          </a:p>
+        </p:txBody>
+      </p:sp>
+      <p:sp>
+        <p:nvSpPr>
+          <p:cNvPr id="3" name="Text Placeholder 2">
+            <a:extLst>
+              <a:ext uri="{FF2B5EF4-FFF2-40B4-BE49-F238E27FC236}">
+                <a16:creationId xmlns:a16="http://schemas.microsoft.com/office/drawing/2014/main" id="{DBE5F3FB-A54A-DA4C-8C87-CD8323CB74D9}"/>
+              </a:ext>
+            </a:extLst>
+          </p:cNvPr>
+          <p:cNvSpPr>
+            <a:spLocks noGrp="1"/>
+          </p:cNvSpPr>
+          <p:nvPr>
+            <p:ph type="body" idx="1"/>
+          </p:nvPr>
+        </p:nvSpPr>
+        <p:spPr/>
+        <p:txBody>
+          <a:bodyPr>
+            <a:normAutofit fontScale="92500" lnSpcReduction="10000"/>
+          </a:bodyPr>
+          <a:lstStyle/>
+          <a:p>
+            <a:endParaRPr lang="en-US" dirty="0"/>
+          </a:p>
+        </p:txBody>
+      </p:sp>
+      <p:sp>
+        <p:nvSpPr>
+          <p:cNvPr id="5" name="Slide Number Placeholder 4">
+            <a:extLst>
+              <a:ext uri="{FF2B5EF4-FFF2-40B4-BE49-F238E27FC236}">
+                <a16:creationId xmlns:a16="http://schemas.microsoft.com/office/drawing/2014/main" id="{97A060AD-12C6-E547-99BB-DDC81D0934B9}"/>
+              </a:ext>
+            </a:extLst>
+          </p:cNvPr>
+          <p:cNvSpPr>
+            <a:spLocks noGrp="1"/>
+          </p:cNvSpPr>
+          <p:nvPr>
+            <p:ph type="sldNum" sz="quarter" idx="12"/>
+          </p:nvPr>
+        </p:nvSpPr>
+        <p:spPr/>
+        <p:txBody>
+          <a:bodyPr/>
+          <a:lstStyle/>
+          <a:p>
+            <a:fld id="{7E148853-E3D6-9C4C-AD78-5A3B6F6ECFF0}" type="slidenum">
+              <a:rPr lang="en-US" smtClean="0"/>
+              <a:t>18</a:t>
+            </a:fld>
+            <a:endParaRPr lang="en-US"/>
+          </a:p>
+        </p:txBody>
+      </p:sp>
+    </p:spTree>
+    <p:extLst>
+      <p:ext uri="{BB962C8B-B14F-4D97-AF65-F5344CB8AC3E}">
+        <p14:creationId xmlns:p14="http://schemas.microsoft.com/office/powerpoint/2010/main" val="2125266904"/>
+      </p:ext>
+    </p:extLst>
+  </p:cSld>
+  <p:clrMapOvr>
+    <a:masterClrMapping/>
+  </p:clrMapOvr>
+</p:sld>
+</file>
+
+<file path=ppt/slides/slide19.xml><?xml version="1.0" encoding="utf-8"?>
+<p:sld xmlns:a="http://schemas.openxmlformats.org/drawingml/2006/main" xmlns:r="http://schemas.openxmlformats.org/officeDocument/2006/relationships" xmlns:p="http://schemas.openxmlformats.org/presentationml/2006/main">
+  <p:cSld>
+    <p:spTree>
+      <p:nvGrpSpPr>
+        <p:cNvPr id="1" name=""/>
+        <p:cNvGrpSpPr/>
+        <p:nvPr/>
+      </p:nvGrpSpPr>
+      <p:grpSpPr>
+        <a:xfrm>
+          <a:off x="0" y="0"/>
+          <a:ext cx="0" cy="0"/>
+          <a:chOff x="0" y="0"/>
+          <a:chExt cx="0" cy="0"/>
+        </a:xfrm>
+      </p:grpSpPr>
+      <p:sp>
+        <p:nvSpPr>
+          <p:cNvPr id="2" name="Title 1">
+            <a:extLst>
+              <a:ext uri="{FF2B5EF4-FFF2-40B4-BE49-F238E27FC236}">
+                <a16:creationId xmlns:a16="http://schemas.microsoft.com/office/drawing/2014/main" id="{F504E005-FBB3-D807-1154-E0C1099E4462}"/>
+              </a:ext>
+            </a:extLst>
+          </p:cNvPr>
+          <p:cNvSpPr>
+            <a:spLocks noGrp="1"/>
+          </p:cNvSpPr>
+          <p:nvPr>
+            <p:ph type="title"/>
+          </p:nvPr>
+        </p:nvSpPr>
+        <p:spPr/>
+        <p:txBody>
+          <a:bodyPr/>
+          <a:lstStyle/>
+          <a:p>
+            <a:r>
+              <a:rPr lang="en-US" dirty="0"/>
+              <a:t>Important things we learned: Data structures</a:t>
             </a:r>
           </a:p>
         </p:txBody>
@@ -13168,7 +13858,7 @@
           <p:cNvPr id="3" name="Content Placeholder 2">
             <a:extLst>
               <a:ext uri="{FF2B5EF4-FFF2-40B4-BE49-F238E27FC236}">
-                <a16:creationId xmlns:a16="http://schemas.microsoft.com/office/drawing/2014/main" id="{8ED4732B-C59A-F348-B8DE-D45B13A86027}"/>
+                <a16:creationId xmlns:a16="http://schemas.microsoft.com/office/drawing/2014/main" id="{A01A7443-A7AF-F242-DD77-4FCEEA62D085}"/>
               </a:ext>
             </a:extLst>
           </p:cNvPr>
@@ -13181,82 +13871,55 @@
         </p:nvSpPr>
         <p:spPr>
           <a:xfrm>
-            <a:off x="218485" y="1100767"/>
-            <a:ext cx="4044131" cy="5076928"/>
+            <a:off x="1120359" y="1871118"/>
+            <a:ext cx="2875444" cy="2782301"/>
           </a:xfrm>
         </p:spPr>
         <p:txBody>
           <a:bodyPr/>
           <a:lstStyle/>
           <a:p>
-            <a:endParaRPr lang="en-US" dirty="0"/>
-          </a:p>
-          <a:p>
             <a:r>
               <a:rPr lang="en-US" dirty="0"/>
-              <a:t>Module</a:t>
+              <a:t>Data Structures</a:t>
             </a:r>
           </a:p>
           <a:p>
             <a:pPr lvl="1"/>
             <a:r>
               <a:rPr lang="en-US" dirty="0"/>
-              <a:t>collection of functions</a:t>
+              <a:t>List [ ]</a:t>
             </a:r>
           </a:p>
           <a:p>
             <a:pPr lvl="1"/>
             <a:r>
               <a:rPr lang="en-US" dirty="0"/>
-              <a:t>has a file extension </a:t>
-            </a:r>
-            <a:r>
-              <a:rPr lang="en-US" i="1" dirty="0"/>
-              <a:t>.</a:t>
-            </a:r>
-            <a:r>
-              <a:rPr lang="en-US" i="1" dirty="0" err="1"/>
-              <a:t>py</a:t>
-            </a:r>
-            <a:endParaRPr lang="en-US" i="1" dirty="0"/>
-          </a:p>
-          <a:p>
+              <a:t>Tuple ( )</a:t>
+            </a:r>
+          </a:p>
+          <a:p>
+            <a:pPr lvl="1"/>
             <a:r>
               <a:rPr lang="en-US" dirty="0"/>
-              <a:t>Package</a:t>
+              <a:t>Set { }</a:t>
             </a:r>
           </a:p>
           <a:p>
             <a:pPr lvl="1"/>
             <a:r>
               <a:rPr lang="en-US" dirty="0"/>
-              <a:t>collection of related modules</a:t>
-            </a:r>
-          </a:p>
-          <a:p>
-            <a:r>
-              <a:rPr lang="en-US" dirty="0"/>
-              <a:t>Library</a:t>
-            </a:r>
-          </a:p>
-          <a:p>
-            <a:pPr lvl="1"/>
-            <a:r>
-              <a:rPr lang="en-US" dirty="0"/>
-              <a:t>a loose umbrella term</a:t>
-            </a:r>
-          </a:p>
-          <a:p>
-            <a:endParaRPr lang="en-US" dirty="0"/>
-          </a:p>
-        </p:txBody>
-      </p:sp>
-      <p:sp>
-        <p:nvSpPr>
-          <p:cNvPr id="5" name="Slide Number Placeholder 4">
-            <a:extLst>
-              <a:ext uri="{FF2B5EF4-FFF2-40B4-BE49-F238E27FC236}">
-                <a16:creationId xmlns:a16="http://schemas.microsoft.com/office/drawing/2014/main" id="{93DECB6B-0088-9F47-8940-62A6B0213731}"/>
+              <a:t>Dictionary {:}</a:t>
+            </a:r>
+          </a:p>
+        </p:txBody>
+      </p:sp>
+      <p:sp>
+        <p:nvSpPr>
+          <p:cNvPr id="4" name="Slide Number Placeholder 3">
+            <a:extLst>
+              <a:ext uri="{FF2B5EF4-FFF2-40B4-BE49-F238E27FC236}">
+                <a16:creationId xmlns:a16="http://schemas.microsoft.com/office/drawing/2014/main" id="{0D832875-B19B-1EEF-3C38-484E5D964675}"/>
               </a:ext>
             </a:extLst>
           </p:cNvPr>
@@ -13274,7 +13937,7 @@
           <a:p>
             <a:fld id="{7E148853-E3D6-9C4C-AD78-5A3B6F6ECFF0}" type="slidenum">
               <a:rPr lang="en-US" smtClean="0"/>
-              <a:t>17</a:t>
+              <a:t>19</a:t>
             </a:fld>
             <a:endParaRPr lang="en-US"/>
           </a:p>
@@ -13282,199 +13945,255 @@
       </p:sp>
       <p:sp>
         <p:nvSpPr>
-          <p:cNvPr id="4" name="TextBox 3">
-            <a:extLst>
-              <a:ext uri="{FF2B5EF4-FFF2-40B4-BE49-F238E27FC236}">
-                <a16:creationId xmlns:a16="http://schemas.microsoft.com/office/drawing/2014/main" id="{AE0518AF-0D06-DB4E-9742-7D03F90A4EA8}"/>
-              </a:ext>
-            </a:extLst>
-          </p:cNvPr>
-          <p:cNvSpPr txBox="1"/>
+          <p:cNvPr id="5" name="Content Placeholder 2">
+            <a:extLst>
+              <a:ext uri="{FF2B5EF4-FFF2-40B4-BE49-F238E27FC236}">
+                <a16:creationId xmlns:a16="http://schemas.microsoft.com/office/drawing/2014/main" id="{010394C8-7FAD-E4C4-0187-8E9A1CD29ED5}"/>
+              </a:ext>
+            </a:extLst>
+          </p:cNvPr>
+          <p:cNvSpPr txBox="1">
+            <a:spLocks/>
+          </p:cNvSpPr>
           <p:nvPr/>
         </p:nvSpPr>
         <p:spPr>
           <a:xfrm>
-            <a:off x="5046388" y="1375038"/>
-            <a:ext cx="3288080" cy="1200329"/>
+            <a:off x="4717417" y="1871118"/>
+            <a:ext cx="2875444" cy="2328233"/>
           </a:xfrm>
           <a:prstGeom prst="rect">
             <a:avLst/>
           </a:prstGeom>
-          <a:noFill/>
         </p:spPr>
         <p:txBody>
-          <a:bodyPr wrap="none" rtlCol="0">
-            <a:spAutoFit/>
+          <a:bodyPr vert="horz" lIns="91440" tIns="45720" rIns="91440" bIns="45720" rtlCol="0">
+            <a:normAutofit/>
           </a:bodyPr>
-          <a:lstStyle/>
+          <a:lstStyle>
+            <a:lvl1pPr marL="228600" indent="-228600" algn="l" defTabSz="914400" rtl="0" eaLnBrk="1" latinLnBrk="0" hangingPunct="1">
+              <a:lnSpc>
+                <a:spcPct val="90000"/>
+              </a:lnSpc>
+              <a:spcBef>
+                <a:spcPts val="1200"/>
+              </a:spcBef>
+              <a:buClr>
+                <a:schemeClr val="tx2"/>
+              </a:buClr>
+              <a:buSzPct val="110000"/>
+              <a:buFont typeface="Wingdings" panose="05000000000000000000" pitchFamily="2" charset="2"/>
+              <a:buChar char="§"/>
+              <a:defRPr sz="2600" kern="1200">
+                <a:solidFill>
+                  <a:schemeClr val="tx1"/>
+                </a:solidFill>
+                <a:latin typeface="+mn-lt"/>
+                <a:ea typeface="+mn-ea"/>
+                <a:cs typeface="+mn-cs"/>
+              </a:defRPr>
+            </a:lvl1pPr>
+            <a:lvl2pPr marL="628650" indent="-228600" algn="l" defTabSz="914400" rtl="0" eaLnBrk="1" latinLnBrk="0" hangingPunct="1">
+              <a:lnSpc>
+                <a:spcPct val="90000"/>
+              </a:lnSpc>
+              <a:spcBef>
+                <a:spcPts val="1200"/>
+              </a:spcBef>
+              <a:buClr>
+                <a:schemeClr val="tx2"/>
+              </a:buClr>
+              <a:buSzPct val="100000"/>
+              <a:buFont typeface="Arial" panose="020B0604020202020204" pitchFamily="34" charset="0"/>
+              <a:buChar char="•"/>
+              <a:defRPr sz="2400" kern="1200">
+                <a:solidFill>
+                  <a:schemeClr val="tx1"/>
+                </a:solidFill>
+                <a:latin typeface="+mn-lt"/>
+                <a:ea typeface="+mn-ea"/>
+                <a:cs typeface="+mn-cs"/>
+              </a:defRPr>
+            </a:lvl2pPr>
+            <a:lvl3pPr marL="1084263" indent="-227013" algn="l" defTabSz="914400" rtl="0" eaLnBrk="1" latinLnBrk="0" hangingPunct="1">
+              <a:lnSpc>
+                <a:spcPct val="90000"/>
+              </a:lnSpc>
+              <a:spcBef>
+                <a:spcPts val="1200"/>
+              </a:spcBef>
+              <a:buClr>
+                <a:schemeClr val="accent5"/>
+              </a:buClr>
+              <a:buFont typeface="Wingdings" panose="05000000000000000000" pitchFamily="2" charset="2"/>
+              <a:buChar char="§"/>
+              <a:defRPr sz="2200" kern="1200">
+                <a:solidFill>
+                  <a:schemeClr val="tx1"/>
+                </a:solidFill>
+                <a:latin typeface="+mn-lt"/>
+                <a:ea typeface="+mn-ea"/>
+                <a:cs typeface="+mn-cs"/>
+              </a:defRPr>
+            </a:lvl3pPr>
+            <a:lvl4pPr marL="1489075" indent="-177800" algn="l" defTabSz="914400" rtl="0" eaLnBrk="1" latinLnBrk="0" hangingPunct="1">
+              <a:lnSpc>
+                <a:spcPct val="90000"/>
+              </a:lnSpc>
+              <a:spcBef>
+                <a:spcPts val="1200"/>
+              </a:spcBef>
+              <a:buClr>
+                <a:schemeClr val="bg2"/>
+              </a:buClr>
+              <a:buFont typeface="Arial" panose="020B0604020202020204" pitchFamily="34" charset="0"/>
+              <a:buChar char="•"/>
+              <a:defRPr sz="2000" kern="1200">
+                <a:solidFill>
+                  <a:schemeClr val="tx1"/>
+                </a:solidFill>
+                <a:latin typeface="+mn-lt"/>
+                <a:ea typeface="+mn-ea"/>
+                <a:cs typeface="+mn-cs"/>
+              </a:defRPr>
+            </a:lvl4pPr>
+            <a:lvl5pPr marL="1885950" indent="-169863" algn="l" defTabSz="914400" rtl="0" eaLnBrk="1" latinLnBrk="0" hangingPunct="1">
+              <a:lnSpc>
+                <a:spcPct val="90000"/>
+              </a:lnSpc>
+              <a:spcBef>
+                <a:spcPts val="1200"/>
+              </a:spcBef>
+              <a:buClr>
+                <a:schemeClr val="accent1"/>
+              </a:buClr>
+              <a:buFont typeface="Arial" panose="020B0604020202020204" pitchFamily="34" charset="0"/>
+              <a:buChar char="›"/>
+              <a:defRPr sz="1800" kern="1200">
+                <a:solidFill>
+                  <a:schemeClr val="tx1"/>
+                </a:solidFill>
+                <a:latin typeface="+mn-lt"/>
+                <a:ea typeface="+mn-ea"/>
+                <a:cs typeface="+mn-cs"/>
+              </a:defRPr>
+            </a:lvl5pPr>
+            <a:lvl6pPr marL="2514600" indent="-228600" algn="l" defTabSz="914400" rtl="0" eaLnBrk="1" latinLnBrk="0" hangingPunct="1">
+              <a:lnSpc>
+                <a:spcPct val="90000"/>
+              </a:lnSpc>
+              <a:spcBef>
+                <a:spcPts val="500"/>
+              </a:spcBef>
+              <a:buFont typeface="Arial" panose="020B0604020202020204" pitchFamily="34" charset="0"/>
+              <a:buChar char="•"/>
+              <a:defRPr sz="1800" kern="1200">
+                <a:solidFill>
+                  <a:schemeClr val="tx1"/>
+                </a:solidFill>
+                <a:latin typeface="+mn-lt"/>
+                <a:ea typeface="+mn-ea"/>
+                <a:cs typeface="+mn-cs"/>
+              </a:defRPr>
+            </a:lvl6pPr>
+            <a:lvl7pPr marL="2971800" indent="-228600" algn="l" defTabSz="914400" rtl="0" eaLnBrk="1" latinLnBrk="0" hangingPunct="1">
+              <a:lnSpc>
+                <a:spcPct val="90000"/>
+              </a:lnSpc>
+              <a:spcBef>
+                <a:spcPts val="500"/>
+              </a:spcBef>
+              <a:buFont typeface="Arial" panose="020B0604020202020204" pitchFamily="34" charset="0"/>
+              <a:buChar char="•"/>
+              <a:defRPr sz="1800" kern="1200">
+                <a:solidFill>
+                  <a:schemeClr val="tx1"/>
+                </a:solidFill>
+                <a:latin typeface="+mn-lt"/>
+                <a:ea typeface="+mn-ea"/>
+                <a:cs typeface="+mn-cs"/>
+              </a:defRPr>
+            </a:lvl7pPr>
+            <a:lvl8pPr marL="3429000" indent="-228600" algn="l" defTabSz="914400" rtl="0" eaLnBrk="1" latinLnBrk="0" hangingPunct="1">
+              <a:lnSpc>
+                <a:spcPct val="90000"/>
+              </a:lnSpc>
+              <a:spcBef>
+                <a:spcPts val="500"/>
+              </a:spcBef>
+              <a:buFont typeface="Arial" panose="020B0604020202020204" pitchFamily="34" charset="0"/>
+              <a:buChar char="•"/>
+              <a:defRPr sz="1800" kern="1200">
+                <a:solidFill>
+                  <a:schemeClr val="tx1"/>
+                </a:solidFill>
+                <a:latin typeface="+mn-lt"/>
+                <a:ea typeface="+mn-ea"/>
+                <a:cs typeface="+mn-cs"/>
+              </a:defRPr>
+            </a:lvl8pPr>
+            <a:lvl9pPr marL="3886200" indent="-228600" algn="l" defTabSz="914400" rtl="0" eaLnBrk="1" latinLnBrk="0" hangingPunct="1">
+              <a:lnSpc>
+                <a:spcPct val="90000"/>
+              </a:lnSpc>
+              <a:spcBef>
+                <a:spcPts val="500"/>
+              </a:spcBef>
+              <a:buFont typeface="Arial" panose="020B0604020202020204" pitchFamily="34" charset="0"/>
+              <a:buChar char="•"/>
+              <a:defRPr sz="1800" kern="1200">
+                <a:solidFill>
+                  <a:schemeClr val="tx1"/>
+                </a:solidFill>
+                <a:latin typeface="+mn-lt"/>
+                <a:ea typeface="+mn-ea"/>
+                <a:cs typeface="+mn-cs"/>
+              </a:defRPr>
+            </a:lvl9pPr>
+          </a:lstStyle>
           <a:p>
             <a:r>
               <a:rPr lang="en-US" dirty="0"/>
-              <a:t>All packages are modules.</a:t>
-            </a:r>
-          </a:p>
-          <a:p>
+              <a:t>From </a:t>
+            </a:r>
+            <a:r>
+              <a:rPr lang="en-US" dirty="0" err="1"/>
+              <a:t>Numpy</a:t>
+            </a:r>
+            <a:endParaRPr lang="en-US" dirty="0"/>
+          </a:p>
+          <a:p>
+            <a:pPr lvl="1"/>
             <a:r>
               <a:rPr lang="en-US" dirty="0"/>
-              <a:t>Not all modules are packages.</a:t>
-            </a:r>
-          </a:p>
-          <a:p>
-            <a:endParaRPr lang="en-US" dirty="0"/>
-          </a:p>
-          <a:p>
+              <a:t>1d array</a:t>
+            </a:r>
+          </a:p>
+          <a:p>
+            <a:pPr lvl="1"/>
             <a:r>
               <a:rPr lang="en-US" dirty="0"/>
-              <a:t>matplotlib.pyplot.boxplot()</a:t>
-            </a:r>
-          </a:p>
-        </p:txBody>
-      </p:sp>
-      <p:sp>
-        <p:nvSpPr>
-          <p:cNvPr id="6" name="TextBox 5">
-            <a:extLst>
-              <a:ext uri="{FF2B5EF4-FFF2-40B4-BE49-F238E27FC236}">
-                <a16:creationId xmlns:a16="http://schemas.microsoft.com/office/drawing/2014/main" id="{BCF5859A-1B06-9F49-9AF3-8BE9C83ECE8F}"/>
-              </a:ext>
-            </a:extLst>
-          </p:cNvPr>
-          <p:cNvSpPr txBox="1"/>
-          <p:nvPr/>
-        </p:nvSpPr>
-        <p:spPr>
-          <a:xfrm>
-            <a:off x="4541634" y="3082275"/>
-            <a:ext cx="1112466" cy="984885"/>
-          </a:xfrm>
-          <a:prstGeom prst="rect">
-            <a:avLst/>
-          </a:prstGeom>
-          <a:noFill/>
-        </p:spPr>
-        <p:txBody>
-          <a:bodyPr wrap="square" rtlCol="0">
-            <a:spAutoFit/>
-          </a:bodyPr>
-          <a:lstStyle/>
-          <a:p>
-            <a:r>
-              <a:rPr lang="en-US" dirty="0"/>
-              <a:t>package</a:t>
-            </a:r>
-          </a:p>
-          <a:p>
-            <a:r>
-              <a:rPr lang="en-US" sz="1000" dirty="0"/>
-              <a:t>(sometimes called a library;</a:t>
-            </a:r>
-          </a:p>
-          <a:p>
-            <a:r>
-              <a:rPr lang="en-US" sz="1000" dirty="0"/>
-              <a:t>sometimes called a module)</a:t>
-            </a:r>
-          </a:p>
-        </p:txBody>
-      </p:sp>
-      <p:sp>
-        <p:nvSpPr>
-          <p:cNvPr id="7" name="TextBox 6">
-            <a:extLst>
-              <a:ext uri="{FF2B5EF4-FFF2-40B4-BE49-F238E27FC236}">
-                <a16:creationId xmlns:a16="http://schemas.microsoft.com/office/drawing/2014/main" id="{C1003471-3A9E-F147-9837-8F850B56FA8D}"/>
-              </a:ext>
-            </a:extLst>
-          </p:cNvPr>
-          <p:cNvSpPr txBox="1"/>
-          <p:nvPr/>
-        </p:nvSpPr>
-        <p:spPr>
-          <a:xfrm>
-            <a:off x="5933118" y="3082275"/>
-            <a:ext cx="1210177" cy="954107"/>
-          </a:xfrm>
-          <a:prstGeom prst="rect">
-            <a:avLst/>
-          </a:prstGeom>
-          <a:noFill/>
-        </p:spPr>
-        <p:txBody>
-          <a:bodyPr wrap="square" rtlCol="0">
-            <a:spAutoFit/>
-          </a:bodyPr>
-          <a:lstStyle/>
-          <a:p>
-            <a:r>
-              <a:rPr lang="en-US" dirty="0"/>
-              <a:t>module</a:t>
-            </a:r>
-            <a:endParaRPr lang="en-US" sz="1050" dirty="0"/>
-          </a:p>
-          <a:p>
-            <a:r>
-              <a:rPr lang="en-US" sz="1000" dirty="0"/>
-              <a:t>(sometimes called a submodule)</a:t>
-            </a:r>
-          </a:p>
-          <a:p>
-            <a:endParaRPr lang="en-US" dirty="0"/>
-          </a:p>
-        </p:txBody>
-      </p:sp>
-      <p:sp>
-        <p:nvSpPr>
-          <p:cNvPr id="8" name="TextBox 7">
-            <a:extLst>
-              <a:ext uri="{FF2B5EF4-FFF2-40B4-BE49-F238E27FC236}">
-                <a16:creationId xmlns:a16="http://schemas.microsoft.com/office/drawing/2014/main" id="{C16AEA24-A2B1-2D41-983C-B56F8F00C326}"/>
-              </a:ext>
-            </a:extLst>
-          </p:cNvPr>
-          <p:cNvSpPr txBox="1"/>
-          <p:nvPr/>
-        </p:nvSpPr>
-        <p:spPr>
-          <a:xfrm>
-            <a:off x="7417393" y="3082275"/>
-            <a:ext cx="992579" cy="369332"/>
-          </a:xfrm>
-          <a:prstGeom prst="rect">
-            <a:avLst/>
-          </a:prstGeom>
-          <a:noFill/>
-        </p:spPr>
-        <p:txBody>
-          <a:bodyPr wrap="none" rtlCol="0">
-            <a:spAutoFit/>
-          </a:bodyPr>
-          <a:lstStyle/>
-          <a:p>
-            <a:r>
-              <a:rPr lang="en-US" dirty="0"/>
-              <a:t>function</a:t>
+              <a:t>2d array</a:t>
             </a:r>
           </a:p>
         </p:txBody>
       </p:sp>
       <p:cxnSp>
         <p:nvCxnSpPr>
-          <p:cNvPr id="10" name="Straight Arrow Connector 9">
-            <a:extLst>
-              <a:ext uri="{FF2B5EF4-FFF2-40B4-BE49-F238E27FC236}">
-                <a16:creationId xmlns:a16="http://schemas.microsoft.com/office/drawing/2014/main" id="{AD14D1F0-F828-C94F-BA74-12D5DA93A7BB}"/>
-              </a:ext>
-            </a:extLst>
-          </p:cNvPr>
-          <p:cNvCxnSpPr>
-            <a:cxnSpLocks/>
-          </p:cNvCxnSpPr>
+          <p:cNvPr id="7" name="Straight Arrow Connector 6">
+            <a:extLst>
+              <a:ext uri="{FF2B5EF4-FFF2-40B4-BE49-F238E27FC236}">
+                <a16:creationId xmlns:a16="http://schemas.microsoft.com/office/drawing/2014/main" id="{8AEFCC94-EE0A-0B69-4DF8-2A20305FA9CA}"/>
+              </a:ext>
+            </a:extLst>
+          </p:cNvPr>
+          <p:cNvCxnSpPr/>
           <p:nvPr/>
         </p:nvCxnSpPr>
         <p:spPr>
-          <a:xfrm flipV="1">
-            <a:off x="5135765" y="2575367"/>
-            <a:ext cx="295633" cy="353464"/>
+          <a:xfrm flipH="1">
+            <a:off x="3651335" y="2588713"/>
+            <a:ext cx="1265129" cy="0"/>
           </a:xfrm>
           <a:prstGeom prst="straightConnector1">
             <a:avLst/>
@@ -13498,22 +14217,255 @@
           </a:fontRef>
         </p:style>
       </p:cxnSp>
+      <p:sp>
+        <p:nvSpPr>
+          <p:cNvPr id="8" name="Content Placeholder 2">
+            <a:extLst>
+              <a:ext uri="{FF2B5EF4-FFF2-40B4-BE49-F238E27FC236}">
+                <a16:creationId xmlns:a16="http://schemas.microsoft.com/office/drawing/2014/main" id="{CE72BABC-541B-C884-E964-7ECC8E80C1CE}"/>
+              </a:ext>
+            </a:extLst>
+          </p:cNvPr>
+          <p:cNvSpPr txBox="1">
+            <a:spLocks/>
+          </p:cNvSpPr>
+          <p:nvPr/>
+        </p:nvSpPr>
+        <p:spPr>
+          <a:xfrm>
+            <a:off x="8151636" y="1871118"/>
+            <a:ext cx="2875444" cy="2249945"/>
+          </a:xfrm>
+          <a:prstGeom prst="rect">
+            <a:avLst/>
+          </a:prstGeom>
+        </p:spPr>
+        <p:txBody>
+          <a:bodyPr vert="horz" lIns="91440" tIns="45720" rIns="91440" bIns="45720" rtlCol="0">
+            <a:normAutofit/>
+          </a:bodyPr>
+          <a:lstStyle>
+            <a:lvl1pPr marL="228600" indent="-228600" algn="l" defTabSz="914400" rtl="0" eaLnBrk="1" latinLnBrk="0" hangingPunct="1">
+              <a:lnSpc>
+                <a:spcPct val="90000"/>
+              </a:lnSpc>
+              <a:spcBef>
+                <a:spcPts val="1200"/>
+              </a:spcBef>
+              <a:buClr>
+                <a:schemeClr val="tx2"/>
+              </a:buClr>
+              <a:buSzPct val="110000"/>
+              <a:buFont typeface="Wingdings" panose="05000000000000000000" pitchFamily="2" charset="2"/>
+              <a:buChar char="§"/>
+              <a:defRPr sz="2600" kern="1200">
+                <a:solidFill>
+                  <a:schemeClr val="tx1"/>
+                </a:solidFill>
+                <a:latin typeface="+mn-lt"/>
+                <a:ea typeface="+mn-ea"/>
+                <a:cs typeface="+mn-cs"/>
+              </a:defRPr>
+            </a:lvl1pPr>
+            <a:lvl2pPr marL="628650" indent="-228600" algn="l" defTabSz="914400" rtl="0" eaLnBrk="1" latinLnBrk="0" hangingPunct="1">
+              <a:lnSpc>
+                <a:spcPct val="90000"/>
+              </a:lnSpc>
+              <a:spcBef>
+                <a:spcPts val="1200"/>
+              </a:spcBef>
+              <a:buClr>
+                <a:schemeClr val="tx2"/>
+              </a:buClr>
+              <a:buSzPct val="100000"/>
+              <a:buFont typeface="Arial" panose="020B0604020202020204" pitchFamily="34" charset="0"/>
+              <a:buChar char="•"/>
+              <a:defRPr sz="2400" kern="1200">
+                <a:solidFill>
+                  <a:schemeClr val="tx1"/>
+                </a:solidFill>
+                <a:latin typeface="+mn-lt"/>
+                <a:ea typeface="+mn-ea"/>
+                <a:cs typeface="+mn-cs"/>
+              </a:defRPr>
+            </a:lvl2pPr>
+            <a:lvl3pPr marL="1084263" indent="-227013" algn="l" defTabSz="914400" rtl="0" eaLnBrk="1" latinLnBrk="0" hangingPunct="1">
+              <a:lnSpc>
+                <a:spcPct val="90000"/>
+              </a:lnSpc>
+              <a:spcBef>
+                <a:spcPts val="1200"/>
+              </a:spcBef>
+              <a:buClr>
+                <a:schemeClr val="accent5"/>
+              </a:buClr>
+              <a:buFont typeface="Wingdings" panose="05000000000000000000" pitchFamily="2" charset="2"/>
+              <a:buChar char="§"/>
+              <a:defRPr sz="2200" kern="1200">
+                <a:solidFill>
+                  <a:schemeClr val="tx1"/>
+                </a:solidFill>
+                <a:latin typeface="+mn-lt"/>
+                <a:ea typeface="+mn-ea"/>
+                <a:cs typeface="+mn-cs"/>
+              </a:defRPr>
+            </a:lvl3pPr>
+            <a:lvl4pPr marL="1489075" indent="-177800" algn="l" defTabSz="914400" rtl="0" eaLnBrk="1" latinLnBrk="0" hangingPunct="1">
+              <a:lnSpc>
+                <a:spcPct val="90000"/>
+              </a:lnSpc>
+              <a:spcBef>
+                <a:spcPts val="1200"/>
+              </a:spcBef>
+              <a:buClr>
+                <a:schemeClr val="bg2"/>
+              </a:buClr>
+              <a:buFont typeface="Arial" panose="020B0604020202020204" pitchFamily="34" charset="0"/>
+              <a:buChar char="•"/>
+              <a:defRPr sz="2000" kern="1200">
+                <a:solidFill>
+                  <a:schemeClr val="tx1"/>
+                </a:solidFill>
+                <a:latin typeface="+mn-lt"/>
+                <a:ea typeface="+mn-ea"/>
+                <a:cs typeface="+mn-cs"/>
+              </a:defRPr>
+            </a:lvl4pPr>
+            <a:lvl5pPr marL="1885950" indent="-169863" algn="l" defTabSz="914400" rtl="0" eaLnBrk="1" latinLnBrk="0" hangingPunct="1">
+              <a:lnSpc>
+                <a:spcPct val="90000"/>
+              </a:lnSpc>
+              <a:spcBef>
+                <a:spcPts val="1200"/>
+              </a:spcBef>
+              <a:buClr>
+                <a:schemeClr val="accent1"/>
+              </a:buClr>
+              <a:buFont typeface="Arial" panose="020B0604020202020204" pitchFamily="34" charset="0"/>
+              <a:buChar char="›"/>
+              <a:defRPr sz="1800" kern="1200">
+                <a:solidFill>
+                  <a:schemeClr val="tx1"/>
+                </a:solidFill>
+                <a:latin typeface="+mn-lt"/>
+                <a:ea typeface="+mn-ea"/>
+                <a:cs typeface="+mn-cs"/>
+              </a:defRPr>
+            </a:lvl5pPr>
+            <a:lvl6pPr marL="2514600" indent="-228600" algn="l" defTabSz="914400" rtl="0" eaLnBrk="1" latinLnBrk="0" hangingPunct="1">
+              <a:lnSpc>
+                <a:spcPct val="90000"/>
+              </a:lnSpc>
+              <a:spcBef>
+                <a:spcPts val="500"/>
+              </a:spcBef>
+              <a:buFont typeface="Arial" panose="020B0604020202020204" pitchFamily="34" charset="0"/>
+              <a:buChar char="•"/>
+              <a:defRPr sz="1800" kern="1200">
+                <a:solidFill>
+                  <a:schemeClr val="tx1"/>
+                </a:solidFill>
+                <a:latin typeface="+mn-lt"/>
+                <a:ea typeface="+mn-ea"/>
+                <a:cs typeface="+mn-cs"/>
+              </a:defRPr>
+            </a:lvl6pPr>
+            <a:lvl7pPr marL="2971800" indent="-228600" algn="l" defTabSz="914400" rtl="0" eaLnBrk="1" latinLnBrk="0" hangingPunct="1">
+              <a:lnSpc>
+                <a:spcPct val="90000"/>
+              </a:lnSpc>
+              <a:spcBef>
+                <a:spcPts val="500"/>
+              </a:spcBef>
+              <a:buFont typeface="Arial" panose="020B0604020202020204" pitchFamily="34" charset="0"/>
+              <a:buChar char="•"/>
+              <a:defRPr sz="1800" kern="1200">
+                <a:solidFill>
+                  <a:schemeClr val="tx1"/>
+                </a:solidFill>
+                <a:latin typeface="+mn-lt"/>
+                <a:ea typeface="+mn-ea"/>
+                <a:cs typeface="+mn-cs"/>
+              </a:defRPr>
+            </a:lvl7pPr>
+            <a:lvl8pPr marL="3429000" indent="-228600" algn="l" defTabSz="914400" rtl="0" eaLnBrk="1" latinLnBrk="0" hangingPunct="1">
+              <a:lnSpc>
+                <a:spcPct val="90000"/>
+              </a:lnSpc>
+              <a:spcBef>
+                <a:spcPts val="500"/>
+              </a:spcBef>
+              <a:buFont typeface="Arial" panose="020B0604020202020204" pitchFamily="34" charset="0"/>
+              <a:buChar char="•"/>
+              <a:defRPr sz="1800" kern="1200">
+                <a:solidFill>
+                  <a:schemeClr val="tx1"/>
+                </a:solidFill>
+                <a:latin typeface="+mn-lt"/>
+                <a:ea typeface="+mn-ea"/>
+                <a:cs typeface="+mn-cs"/>
+              </a:defRPr>
+            </a:lvl8pPr>
+            <a:lvl9pPr marL="3886200" indent="-228600" algn="l" defTabSz="914400" rtl="0" eaLnBrk="1" latinLnBrk="0" hangingPunct="1">
+              <a:lnSpc>
+                <a:spcPct val="90000"/>
+              </a:lnSpc>
+              <a:spcBef>
+                <a:spcPts val="500"/>
+              </a:spcBef>
+              <a:buFont typeface="Arial" panose="020B0604020202020204" pitchFamily="34" charset="0"/>
+              <a:buChar char="•"/>
+              <a:defRPr sz="1800" kern="1200">
+                <a:solidFill>
+                  <a:schemeClr val="tx1"/>
+                </a:solidFill>
+                <a:latin typeface="+mn-lt"/>
+                <a:ea typeface="+mn-ea"/>
+                <a:cs typeface="+mn-cs"/>
+              </a:defRPr>
+            </a:lvl9pPr>
+          </a:lstStyle>
+          <a:p>
+            <a:r>
+              <a:rPr lang="en-US" dirty="0"/>
+              <a:t>From Pandas</a:t>
+            </a:r>
+          </a:p>
+          <a:p>
+            <a:pPr lvl="1"/>
+            <a:r>
+              <a:rPr lang="en-US" dirty="0"/>
+              <a:t>Series</a:t>
+            </a:r>
+          </a:p>
+          <a:p>
+            <a:pPr lvl="1"/>
+            <a:r>
+              <a:rPr lang="en-US" dirty="0" err="1"/>
+              <a:t>Dataframe</a:t>
+            </a:r>
+            <a:endParaRPr lang="en-US" dirty="0"/>
+          </a:p>
+        </p:txBody>
+      </p:sp>
       <p:cxnSp>
         <p:nvCxnSpPr>
-          <p:cNvPr id="12" name="Straight Arrow Connector 11">
-            <a:extLst>
-              <a:ext uri="{FF2B5EF4-FFF2-40B4-BE49-F238E27FC236}">
-                <a16:creationId xmlns:a16="http://schemas.microsoft.com/office/drawing/2014/main" id="{F675B9DF-A317-0745-ACAF-5DE6AC49BBA1}"/>
-              </a:ext>
-            </a:extLst>
-          </p:cNvPr>
-          <p:cNvCxnSpPr/>
+          <p:cNvPr id="9" name="Straight Arrow Connector 8">
+            <a:extLst>
+              <a:ext uri="{FF2B5EF4-FFF2-40B4-BE49-F238E27FC236}">
+                <a16:creationId xmlns:a16="http://schemas.microsoft.com/office/drawing/2014/main" id="{FA0EDBF5-E998-EDB8-51D8-16CDEEA8148E}"/>
+              </a:ext>
+            </a:extLst>
+          </p:cNvPr>
+          <p:cNvCxnSpPr>
+            <a:cxnSpLocks/>
+          </p:cNvCxnSpPr>
           <p:nvPr/>
         </p:nvCxnSpPr>
         <p:spPr>
-          <a:xfrm flipV="1">
-            <a:off x="6535746" y="2575367"/>
-            <a:ext cx="0" cy="401589"/>
+          <a:xfrm>
+            <a:off x="6916453" y="2588713"/>
+            <a:ext cx="1444669" cy="0"/>
           </a:xfrm>
           <a:prstGeom prst="straightConnector1">
             <a:avLst/>
@@ -13537,29 +14489,26 @@
           </a:fontRef>
         </p:style>
       </p:cxnSp>
-      <p:cxnSp>
-        <p:nvCxnSpPr>
-          <p:cNvPr id="14" name="Straight Arrow Connector 13">
-            <a:extLst>
-              <a:ext uri="{FF2B5EF4-FFF2-40B4-BE49-F238E27FC236}">
-                <a16:creationId xmlns:a16="http://schemas.microsoft.com/office/drawing/2014/main" id="{8014A139-C2E7-3B47-8C98-DDB14413CF20}"/>
-              </a:ext>
-            </a:extLst>
-          </p:cNvPr>
-          <p:cNvCxnSpPr/>
+      <p:sp>
+        <p:nvSpPr>
+          <p:cNvPr id="12" name="Right Bracket 11">
+            <a:extLst>
+              <a:ext uri="{FF2B5EF4-FFF2-40B4-BE49-F238E27FC236}">
+                <a16:creationId xmlns:a16="http://schemas.microsoft.com/office/drawing/2014/main" id="{BA25A27F-CBEF-B41D-A183-CB595F826D72}"/>
+              </a:ext>
+            </a:extLst>
+          </p:cNvPr>
+          <p:cNvSpPr/>
           <p:nvPr/>
-        </p:nvCxnSpPr>
+        </p:nvSpPr>
         <p:spPr>
-          <a:xfrm flipH="1" flipV="1">
-            <a:off x="7466454" y="2575367"/>
-            <a:ext cx="447228" cy="353463"/>
+          <a:xfrm>
+            <a:off x="3407404" y="2417524"/>
+            <a:ext cx="206679" cy="1916477"/>
           </a:xfrm>
-          <a:prstGeom prst="straightConnector1">
+          <a:prstGeom prst="rightBracket">
             <a:avLst/>
           </a:prstGeom>
-          <a:ln>
-            <a:tailEnd type="triangle"/>
-          </a:ln>
         </p:spPr>
         <p:style>
           <a:lnRef idx="1">
@@ -13575,11 +14524,19 @@
             <a:schemeClr val="tx1"/>
           </a:fontRef>
         </p:style>
-      </p:cxnSp>
+        <p:txBody>
+          <a:bodyPr rtlCol="0" anchor="ctr"/>
+          <a:lstStyle/>
+          <a:p>
+            <a:pPr algn="ctr"/>
+            <a:endParaRPr lang="en-US"/>
+          </a:p>
+        </p:txBody>
+      </p:sp>
     </p:spTree>
     <p:extLst>
       <p:ext uri="{BB962C8B-B14F-4D97-AF65-F5344CB8AC3E}">
-        <p14:creationId xmlns:p14="http://schemas.microsoft.com/office/powerpoint/2010/main" val="2211513313"/>
+        <p14:creationId xmlns:p14="http://schemas.microsoft.com/office/powerpoint/2010/main" val="1773207718"/>
       </p:ext>
     </p:extLst>
   </p:cSld>
@@ -13715,6 +14672,1708 @@
     <p:extLst>
       <p:ext uri="{BB962C8B-B14F-4D97-AF65-F5344CB8AC3E}">
         <p14:creationId xmlns:p14="http://schemas.microsoft.com/office/powerpoint/2010/main" val="326883534"/>
+      </p:ext>
+    </p:extLst>
+  </p:cSld>
+  <p:clrMapOvr>
+    <a:masterClrMapping/>
+  </p:clrMapOvr>
+</p:sld>
+</file>
+
+<file path=ppt/slides/slide20.xml><?xml version="1.0" encoding="utf-8"?>
+<p:sld xmlns:a="http://schemas.openxmlformats.org/drawingml/2006/main" xmlns:r="http://schemas.openxmlformats.org/officeDocument/2006/relationships" xmlns:p="http://schemas.openxmlformats.org/presentationml/2006/main">
+  <p:cSld>
+    <p:spTree>
+      <p:nvGrpSpPr>
+        <p:cNvPr id="1" name=""/>
+        <p:cNvGrpSpPr/>
+        <p:nvPr/>
+      </p:nvGrpSpPr>
+      <p:grpSpPr>
+        <a:xfrm>
+          <a:off x="0" y="0"/>
+          <a:ext cx="0" cy="0"/>
+          <a:chOff x="0" y="0"/>
+          <a:chExt cx="0" cy="0"/>
+        </a:xfrm>
+      </p:grpSpPr>
+      <p:sp>
+        <p:nvSpPr>
+          <p:cNvPr id="2" name="Title 1">
+            <a:extLst>
+              <a:ext uri="{FF2B5EF4-FFF2-40B4-BE49-F238E27FC236}">
+                <a16:creationId xmlns:a16="http://schemas.microsoft.com/office/drawing/2014/main" id="{F504E005-FBB3-D807-1154-E0C1099E4462}"/>
+              </a:ext>
+            </a:extLst>
+          </p:cNvPr>
+          <p:cNvSpPr>
+            <a:spLocks noGrp="1"/>
+          </p:cNvSpPr>
+          <p:nvPr>
+            <p:ph type="title"/>
+          </p:nvPr>
+        </p:nvSpPr>
+        <p:spPr/>
+        <p:txBody>
+          <a:bodyPr/>
+          <a:lstStyle/>
+          <a:p>
+            <a:r>
+              <a:rPr lang="en-US" dirty="0"/>
+              <a:t>Important things we learned: Using array indexes</a:t>
+            </a:r>
+          </a:p>
+        </p:txBody>
+      </p:sp>
+      <p:sp>
+        <p:nvSpPr>
+          <p:cNvPr id="4" name="Slide Number Placeholder 3">
+            <a:extLst>
+              <a:ext uri="{FF2B5EF4-FFF2-40B4-BE49-F238E27FC236}">
+                <a16:creationId xmlns:a16="http://schemas.microsoft.com/office/drawing/2014/main" id="{0D832875-B19B-1EEF-3C38-484E5D964675}"/>
+              </a:ext>
+            </a:extLst>
+          </p:cNvPr>
+          <p:cNvSpPr>
+            <a:spLocks noGrp="1"/>
+          </p:cNvSpPr>
+          <p:nvPr>
+            <p:ph type="sldNum" sz="quarter" idx="12"/>
+          </p:nvPr>
+        </p:nvSpPr>
+        <p:spPr/>
+        <p:txBody>
+          <a:bodyPr/>
+          <a:lstStyle/>
+          <a:p>
+            <a:fld id="{7E148853-E3D6-9C4C-AD78-5A3B6F6ECFF0}" type="slidenum">
+              <a:rPr lang="en-US" smtClean="0"/>
+              <a:t>20</a:t>
+            </a:fld>
+            <a:endParaRPr lang="en-US"/>
+          </a:p>
+        </p:txBody>
+      </p:sp>
+      <p:pic>
+        <p:nvPicPr>
+          <p:cNvPr id="11" name="Picture 10">
+            <a:extLst>
+              <a:ext uri="{FF2B5EF4-FFF2-40B4-BE49-F238E27FC236}">
+                <a16:creationId xmlns:a16="http://schemas.microsoft.com/office/drawing/2014/main" id="{33D8ED2F-DF64-4236-8F4F-C8BDE76CC526}"/>
+              </a:ext>
+            </a:extLst>
+          </p:cNvPr>
+          <p:cNvPicPr>
+            <a:picLocks noChangeAspect="1"/>
+          </p:cNvPicPr>
+          <p:nvPr/>
+        </p:nvPicPr>
+        <p:blipFill>
+          <a:blip r:embed="rId2"/>
+          <a:stretch>
+            <a:fillRect/>
+          </a:stretch>
+        </p:blipFill>
+        <p:spPr>
+          <a:xfrm>
+            <a:off x="2596309" y="1039687"/>
+            <a:ext cx="6417211" cy="5534108"/>
+          </a:xfrm>
+          <a:prstGeom prst="rect">
+            <a:avLst/>
+          </a:prstGeom>
+          <a:ln>
+            <a:solidFill>
+              <a:schemeClr val="tx1"/>
+            </a:solidFill>
+          </a:ln>
+        </p:spPr>
+      </p:pic>
+    </p:spTree>
+    <p:extLst>
+      <p:ext uri="{BB962C8B-B14F-4D97-AF65-F5344CB8AC3E}">
+        <p14:creationId xmlns:p14="http://schemas.microsoft.com/office/powerpoint/2010/main" val="4025394618"/>
+      </p:ext>
+    </p:extLst>
+  </p:cSld>
+  <p:clrMapOvr>
+    <a:masterClrMapping/>
+  </p:clrMapOvr>
+</p:sld>
+</file>
+
+<file path=ppt/slides/slide21.xml><?xml version="1.0" encoding="utf-8"?>
+<p:sld xmlns:a="http://schemas.openxmlformats.org/drawingml/2006/main" xmlns:r="http://schemas.openxmlformats.org/officeDocument/2006/relationships" xmlns:p="http://schemas.openxmlformats.org/presentationml/2006/main">
+  <p:cSld>
+    <p:spTree>
+      <p:nvGrpSpPr>
+        <p:cNvPr id="1" name=""/>
+        <p:cNvGrpSpPr/>
+        <p:nvPr/>
+      </p:nvGrpSpPr>
+      <p:grpSpPr>
+        <a:xfrm>
+          <a:off x="0" y="0"/>
+          <a:ext cx="0" cy="0"/>
+          <a:chOff x="0" y="0"/>
+          <a:chExt cx="0" cy="0"/>
+        </a:xfrm>
+      </p:grpSpPr>
+      <p:sp>
+        <p:nvSpPr>
+          <p:cNvPr id="2" name="Title 1">
+            <a:extLst>
+              <a:ext uri="{FF2B5EF4-FFF2-40B4-BE49-F238E27FC236}">
+                <a16:creationId xmlns:a16="http://schemas.microsoft.com/office/drawing/2014/main" id="{F504E005-FBB3-D807-1154-E0C1099E4462}"/>
+              </a:ext>
+            </a:extLst>
+          </p:cNvPr>
+          <p:cNvSpPr>
+            <a:spLocks noGrp="1"/>
+          </p:cNvSpPr>
+          <p:nvPr>
+            <p:ph type="title"/>
+          </p:nvPr>
+        </p:nvSpPr>
+        <p:spPr/>
+        <p:txBody>
+          <a:bodyPr/>
+          <a:lstStyle/>
+          <a:p>
+            <a:r>
+              <a:rPr lang="en-US" dirty="0"/>
+              <a:t>Important things we learned: Using array indexes</a:t>
+            </a:r>
+          </a:p>
+        </p:txBody>
+      </p:sp>
+      <p:sp>
+        <p:nvSpPr>
+          <p:cNvPr id="4" name="Slide Number Placeholder 3">
+            <a:extLst>
+              <a:ext uri="{FF2B5EF4-FFF2-40B4-BE49-F238E27FC236}">
+                <a16:creationId xmlns:a16="http://schemas.microsoft.com/office/drawing/2014/main" id="{0D832875-B19B-1EEF-3C38-484E5D964675}"/>
+              </a:ext>
+            </a:extLst>
+          </p:cNvPr>
+          <p:cNvSpPr>
+            <a:spLocks noGrp="1"/>
+          </p:cNvSpPr>
+          <p:nvPr>
+            <p:ph type="sldNum" sz="quarter" idx="12"/>
+          </p:nvPr>
+        </p:nvSpPr>
+        <p:spPr/>
+        <p:txBody>
+          <a:bodyPr/>
+          <a:lstStyle/>
+          <a:p>
+            <a:fld id="{7E148853-E3D6-9C4C-AD78-5A3B6F6ECFF0}" type="slidenum">
+              <a:rPr lang="en-US" smtClean="0"/>
+              <a:t>21</a:t>
+            </a:fld>
+            <a:endParaRPr lang="en-US"/>
+          </a:p>
+        </p:txBody>
+      </p:sp>
+      <p:pic>
+        <p:nvPicPr>
+          <p:cNvPr id="5" name="Picture 4">
+            <a:extLst>
+              <a:ext uri="{FF2B5EF4-FFF2-40B4-BE49-F238E27FC236}">
+                <a16:creationId xmlns:a16="http://schemas.microsoft.com/office/drawing/2014/main" id="{4E3FA8FA-9F02-5014-D1EA-8B7DE0CE6C8A}"/>
+              </a:ext>
+            </a:extLst>
+          </p:cNvPr>
+          <p:cNvPicPr>
+            <a:picLocks noChangeAspect="1"/>
+          </p:cNvPicPr>
+          <p:nvPr/>
+        </p:nvPicPr>
+        <p:blipFill>
+          <a:blip r:embed="rId2"/>
+          <a:stretch>
+            <a:fillRect/>
+          </a:stretch>
+        </p:blipFill>
+        <p:spPr>
+          <a:xfrm>
+            <a:off x="5689067" y="1290181"/>
+            <a:ext cx="6165773" cy="4412909"/>
+          </a:xfrm>
+          <a:prstGeom prst="rect">
+            <a:avLst/>
+          </a:prstGeom>
+        </p:spPr>
+      </p:pic>
+      <p:pic>
+        <p:nvPicPr>
+          <p:cNvPr id="6" name="Picture 5">
+            <a:extLst>
+              <a:ext uri="{FF2B5EF4-FFF2-40B4-BE49-F238E27FC236}">
+                <a16:creationId xmlns:a16="http://schemas.microsoft.com/office/drawing/2014/main" id="{4B20947C-2991-E287-B277-5C24D9F2D6B3}"/>
+              </a:ext>
+            </a:extLst>
+          </p:cNvPr>
+          <p:cNvPicPr>
+            <a:picLocks noChangeAspect="1"/>
+          </p:cNvPicPr>
+          <p:nvPr/>
+        </p:nvPicPr>
+        <p:blipFill>
+          <a:blip r:embed="rId3"/>
+          <a:stretch>
+            <a:fillRect/>
+          </a:stretch>
+        </p:blipFill>
+        <p:spPr>
+          <a:xfrm>
+            <a:off x="274531" y="1199286"/>
+            <a:ext cx="5315922" cy="4459428"/>
+          </a:xfrm>
+          <a:prstGeom prst="rect">
+            <a:avLst/>
+          </a:prstGeom>
+        </p:spPr>
+      </p:pic>
+    </p:spTree>
+    <p:extLst>
+      <p:ext uri="{BB962C8B-B14F-4D97-AF65-F5344CB8AC3E}">
+        <p14:creationId xmlns:p14="http://schemas.microsoft.com/office/powerpoint/2010/main" val="4076487313"/>
+      </p:ext>
+    </p:extLst>
+  </p:cSld>
+  <p:clrMapOvr>
+    <a:masterClrMapping/>
+  </p:clrMapOvr>
+</p:sld>
+</file>
+
+<file path=ppt/slides/slide22.xml><?xml version="1.0" encoding="utf-8"?>
+<p:sld xmlns:a="http://schemas.openxmlformats.org/drawingml/2006/main" xmlns:r="http://schemas.openxmlformats.org/officeDocument/2006/relationships" xmlns:p="http://schemas.openxmlformats.org/presentationml/2006/main">
+  <p:cSld>
+    <p:spTree>
+      <p:nvGrpSpPr>
+        <p:cNvPr id="1" name=""/>
+        <p:cNvGrpSpPr/>
+        <p:nvPr/>
+      </p:nvGrpSpPr>
+      <p:grpSpPr>
+        <a:xfrm>
+          <a:off x="0" y="0"/>
+          <a:ext cx="0" cy="0"/>
+          <a:chOff x="0" y="0"/>
+          <a:chExt cx="0" cy="0"/>
+        </a:xfrm>
+      </p:grpSpPr>
+      <p:sp>
+        <p:nvSpPr>
+          <p:cNvPr id="2" name="Title 1">
+            <a:extLst>
+              <a:ext uri="{FF2B5EF4-FFF2-40B4-BE49-F238E27FC236}">
+                <a16:creationId xmlns:a16="http://schemas.microsoft.com/office/drawing/2014/main" id="{823E9D05-C4D6-2551-EB42-8E19F8289C83}"/>
+              </a:ext>
+            </a:extLst>
+          </p:cNvPr>
+          <p:cNvSpPr>
+            <a:spLocks noGrp="1"/>
+          </p:cNvSpPr>
+          <p:nvPr>
+            <p:ph type="title"/>
+          </p:nvPr>
+        </p:nvSpPr>
+        <p:spPr/>
+        <p:txBody>
+          <a:bodyPr/>
+          <a:lstStyle/>
+          <a:p>
+            <a:r>
+              <a:rPr lang="en-US" dirty="0"/>
+              <a:t>Something we did not learn</a:t>
+            </a:r>
+          </a:p>
+        </p:txBody>
+      </p:sp>
+      <p:sp>
+        <p:nvSpPr>
+          <p:cNvPr id="3" name="Slide Number Placeholder 2">
+            <a:extLst>
+              <a:ext uri="{FF2B5EF4-FFF2-40B4-BE49-F238E27FC236}">
+                <a16:creationId xmlns:a16="http://schemas.microsoft.com/office/drawing/2014/main" id="{D537432C-081C-027C-8FB4-F04B742F9B99}"/>
+              </a:ext>
+            </a:extLst>
+          </p:cNvPr>
+          <p:cNvSpPr>
+            <a:spLocks noGrp="1"/>
+          </p:cNvSpPr>
+          <p:nvPr>
+            <p:ph type="sldNum" sz="quarter" idx="12"/>
+          </p:nvPr>
+        </p:nvSpPr>
+        <p:spPr/>
+        <p:txBody>
+          <a:bodyPr/>
+          <a:lstStyle/>
+          <a:p>
+            <a:fld id="{7E148853-E3D6-9C4C-AD78-5A3B6F6ECFF0}" type="slidenum">
+              <a:rPr lang="en-US" smtClean="0"/>
+              <a:t>22</a:t>
+            </a:fld>
+            <a:endParaRPr lang="en-US"/>
+          </a:p>
+        </p:txBody>
+      </p:sp>
+      <p:pic>
+        <p:nvPicPr>
+          <p:cNvPr id="4" name="Picture 3">
+            <a:extLst>
+              <a:ext uri="{FF2B5EF4-FFF2-40B4-BE49-F238E27FC236}">
+                <a16:creationId xmlns:a16="http://schemas.microsoft.com/office/drawing/2014/main" id="{6F97889F-5AE5-86F8-50D5-09107A005D15}"/>
+              </a:ext>
+            </a:extLst>
+          </p:cNvPr>
+          <p:cNvPicPr>
+            <a:picLocks noChangeAspect="1"/>
+          </p:cNvPicPr>
+          <p:nvPr/>
+        </p:nvPicPr>
+        <p:blipFill>
+          <a:blip r:embed="rId2"/>
+          <a:stretch>
+            <a:fillRect/>
+          </a:stretch>
+        </p:blipFill>
+        <p:spPr>
+          <a:xfrm>
+            <a:off x="2209800" y="1242537"/>
+            <a:ext cx="7772400" cy="4372925"/>
+          </a:xfrm>
+          <a:prstGeom prst="rect">
+            <a:avLst/>
+          </a:prstGeom>
+        </p:spPr>
+      </p:pic>
+    </p:spTree>
+    <p:extLst>
+      <p:ext uri="{BB962C8B-B14F-4D97-AF65-F5344CB8AC3E}">
+        <p14:creationId xmlns:p14="http://schemas.microsoft.com/office/powerpoint/2010/main" val="3313000522"/>
+      </p:ext>
+    </p:extLst>
+  </p:cSld>
+  <p:clrMapOvr>
+    <a:masterClrMapping/>
+  </p:clrMapOvr>
+</p:sld>
+</file>
+
+<file path=ppt/slides/slide23.xml><?xml version="1.0" encoding="utf-8"?>
+<p:sld xmlns:a="http://schemas.openxmlformats.org/drawingml/2006/main" xmlns:r="http://schemas.openxmlformats.org/officeDocument/2006/relationships" xmlns:p="http://schemas.openxmlformats.org/presentationml/2006/main">
+  <p:cSld>
+    <p:spTree>
+      <p:nvGrpSpPr>
+        <p:cNvPr id="1" name=""/>
+        <p:cNvGrpSpPr/>
+        <p:nvPr/>
+      </p:nvGrpSpPr>
+      <p:grpSpPr>
+        <a:xfrm>
+          <a:off x="0" y="0"/>
+          <a:ext cx="0" cy="0"/>
+          <a:chOff x="0" y="0"/>
+          <a:chExt cx="0" cy="0"/>
+        </a:xfrm>
+      </p:grpSpPr>
+      <p:sp>
+        <p:nvSpPr>
+          <p:cNvPr id="2" name="Title 1">
+            <a:extLst>
+              <a:ext uri="{FF2B5EF4-FFF2-40B4-BE49-F238E27FC236}">
+                <a16:creationId xmlns:a16="http://schemas.microsoft.com/office/drawing/2014/main" id="{C88EFB0B-1AFE-2747-D07A-345A1BA92EAC}"/>
+              </a:ext>
+            </a:extLst>
+          </p:cNvPr>
+          <p:cNvSpPr>
+            <a:spLocks noGrp="1"/>
+          </p:cNvSpPr>
+          <p:nvPr>
+            <p:ph type="title"/>
+          </p:nvPr>
+        </p:nvSpPr>
+        <p:spPr/>
+        <p:txBody>
+          <a:bodyPr/>
+          <a:lstStyle/>
+          <a:p>
+            <a:r>
+              <a:rPr lang="en-US" dirty="0" err="1"/>
+              <a:t>Matpotlib</a:t>
+            </a:r>
+            <a:endParaRPr lang="en-US" dirty="0"/>
+          </a:p>
+        </p:txBody>
+      </p:sp>
+      <p:sp>
+        <p:nvSpPr>
+          <p:cNvPr id="3" name="Slide Number Placeholder 2">
+            <a:extLst>
+              <a:ext uri="{FF2B5EF4-FFF2-40B4-BE49-F238E27FC236}">
+                <a16:creationId xmlns:a16="http://schemas.microsoft.com/office/drawing/2014/main" id="{56EB272A-9EFF-40C8-4993-DE0037D4B109}"/>
+              </a:ext>
+            </a:extLst>
+          </p:cNvPr>
+          <p:cNvSpPr>
+            <a:spLocks noGrp="1"/>
+          </p:cNvSpPr>
+          <p:nvPr>
+            <p:ph type="sldNum" sz="quarter" idx="12"/>
+          </p:nvPr>
+        </p:nvSpPr>
+        <p:spPr/>
+        <p:txBody>
+          <a:bodyPr/>
+          <a:lstStyle/>
+          <a:p>
+            <a:fld id="{7E148853-E3D6-9C4C-AD78-5A3B6F6ECFF0}" type="slidenum">
+              <a:rPr lang="en-US" smtClean="0"/>
+              <a:t>23</a:t>
+            </a:fld>
+            <a:endParaRPr lang="en-US"/>
+          </a:p>
+        </p:txBody>
+      </p:sp>
+      <p:pic>
+        <p:nvPicPr>
+          <p:cNvPr id="4" name="Picture 3">
+            <a:extLst>
+              <a:ext uri="{FF2B5EF4-FFF2-40B4-BE49-F238E27FC236}">
+                <a16:creationId xmlns:a16="http://schemas.microsoft.com/office/drawing/2014/main" id="{900FABE6-B80B-4EC1-253D-2222948EFD25}"/>
+              </a:ext>
+            </a:extLst>
+          </p:cNvPr>
+          <p:cNvPicPr>
+            <a:picLocks noChangeAspect="1"/>
+          </p:cNvPicPr>
+          <p:nvPr/>
+        </p:nvPicPr>
+        <p:blipFill>
+          <a:blip r:embed="rId2"/>
+          <a:stretch>
+            <a:fillRect/>
+          </a:stretch>
+        </p:blipFill>
+        <p:spPr>
+          <a:xfrm>
+            <a:off x="504106" y="1324627"/>
+            <a:ext cx="5212189" cy="4325616"/>
+          </a:xfrm>
+          <a:prstGeom prst="rect">
+            <a:avLst/>
+          </a:prstGeom>
+        </p:spPr>
+      </p:pic>
+      <p:pic>
+        <p:nvPicPr>
+          <p:cNvPr id="5" name="Picture 4">
+            <a:extLst>
+              <a:ext uri="{FF2B5EF4-FFF2-40B4-BE49-F238E27FC236}">
+                <a16:creationId xmlns:a16="http://schemas.microsoft.com/office/drawing/2014/main" id="{3EF4D1D6-7050-6CE2-9817-8C6ECFAEFFBC}"/>
+              </a:ext>
+            </a:extLst>
+          </p:cNvPr>
+          <p:cNvPicPr>
+            <a:picLocks noChangeAspect="1"/>
+          </p:cNvPicPr>
+          <p:nvPr/>
+        </p:nvPicPr>
+        <p:blipFill>
+          <a:blip r:embed="rId3"/>
+          <a:stretch>
+            <a:fillRect/>
+          </a:stretch>
+        </p:blipFill>
+        <p:spPr>
+          <a:xfrm>
+            <a:off x="6366874" y="1324627"/>
+            <a:ext cx="4474403" cy="4319384"/>
+          </a:xfrm>
+          <a:prstGeom prst="rect">
+            <a:avLst/>
+          </a:prstGeom>
+        </p:spPr>
+      </p:pic>
+    </p:spTree>
+    <p:extLst>
+      <p:ext uri="{BB962C8B-B14F-4D97-AF65-F5344CB8AC3E}">
+        <p14:creationId xmlns:p14="http://schemas.microsoft.com/office/powerpoint/2010/main" val="3862748148"/>
+      </p:ext>
+    </p:extLst>
+  </p:cSld>
+  <p:clrMapOvr>
+    <a:masterClrMapping/>
+  </p:clrMapOvr>
+</p:sld>
+</file>
+
+<file path=ppt/slides/slide24.xml><?xml version="1.0" encoding="utf-8"?>
+<p:sld xmlns:a="http://schemas.openxmlformats.org/drawingml/2006/main" xmlns:r="http://schemas.openxmlformats.org/officeDocument/2006/relationships" xmlns:p="http://schemas.openxmlformats.org/presentationml/2006/main">
+  <p:cSld>
+    <p:spTree>
+      <p:nvGrpSpPr>
+        <p:cNvPr id="1" name=""/>
+        <p:cNvGrpSpPr/>
+        <p:nvPr/>
+      </p:nvGrpSpPr>
+      <p:grpSpPr>
+        <a:xfrm>
+          <a:off x="0" y="0"/>
+          <a:ext cx="0" cy="0"/>
+          <a:chOff x="0" y="0"/>
+          <a:chExt cx="0" cy="0"/>
+        </a:xfrm>
+      </p:grpSpPr>
+      <p:sp>
+        <p:nvSpPr>
+          <p:cNvPr id="2" name="Title 1">
+            <a:extLst>
+              <a:ext uri="{FF2B5EF4-FFF2-40B4-BE49-F238E27FC236}">
+                <a16:creationId xmlns:a16="http://schemas.microsoft.com/office/drawing/2014/main" id="{9236F8F6-E24B-2C4B-8A89-906EFD2AD778}"/>
+              </a:ext>
+            </a:extLst>
+          </p:cNvPr>
+          <p:cNvSpPr>
+            <a:spLocks noGrp="1"/>
+          </p:cNvSpPr>
+          <p:nvPr>
+            <p:ph type="title"/>
+          </p:nvPr>
+        </p:nvSpPr>
+        <p:spPr/>
+        <p:txBody>
+          <a:bodyPr/>
+          <a:lstStyle/>
+          <a:p>
+            <a:r>
+              <a:rPr lang="en-US" dirty="0"/>
+              <a:t>Looking for insights</a:t>
+            </a:r>
+          </a:p>
+        </p:txBody>
+      </p:sp>
+      <p:sp>
+        <p:nvSpPr>
+          <p:cNvPr id="3" name="Content Placeholder 2">
+            <a:extLst>
+              <a:ext uri="{FF2B5EF4-FFF2-40B4-BE49-F238E27FC236}">
+                <a16:creationId xmlns:a16="http://schemas.microsoft.com/office/drawing/2014/main" id="{9A5DDA29-9E00-324C-AC3C-C190D5777436}"/>
+              </a:ext>
+            </a:extLst>
+          </p:cNvPr>
+          <p:cNvSpPr>
+            <a:spLocks noGrp="1"/>
+          </p:cNvSpPr>
+          <p:nvPr>
+            <p:ph idx="1"/>
+          </p:nvPr>
+        </p:nvSpPr>
+        <p:spPr>
+          <a:xfrm>
+            <a:off x="9355067" y="1012941"/>
+            <a:ext cx="2381840" cy="5139373"/>
+          </a:xfrm>
+        </p:spPr>
+        <p:txBody>
+          <a:bodyPr>
+            <a:normAutofit/>
+          </a:bodyPr>
+          <a:lstStyle/>
+          <a:p>
+            <a:r>
+              <a:rPr lang="en-US" sz="1800" dirty="0"/>
+              <a:t>Patterns</a:t>
+            </a:r>
+          </a:p>
+          <a:p>
+            <a:r>
+              <a:rPr lang="en-US" sz="1800" dirty="0"/>
+              <a:t>Trends</a:t>
+            </a:r>
+          </a:p>
+          <a:p>
+            <a:r>
+              <a:rPr lang="en-US" sz="1800" dirty="0"/>
+              <a:t>Outliers</a:t>
+            </a:r>
+          </a:p>
+          <a:p>
+            <a:r>
+              <a:rPr lang="en-US" sz="1800" dirty="0"/>
+              <a:t>Factoids</a:t>
+            </a:r>
+          </a:p>
+          <a:p>
+            <a:r>
+              <a:rPr lang="en-US" sz="1800" dirty="0"/>
+              <a:t>Interactions</a:t>
+            </a:r>
+          </a:p>
+          <a:p>
+            <a:r>
+              <a:rPr lang="en-US" sz="1800" dirty="0"/>
+              <a:t>Comparisons</a:t>
+            </a:r>
+          </a:p>
+          <a:p>
+            <a:r>
+              <a:rPr lang="en-US" sz="1800" dirty="0"/>
+              <a:t>Changes</a:t>
+            </a:r>
+          </a:p>
+          <a:p>
+            <a:r>
+              <a:rPr lang="en-US" sz="1800" dirty="0"/>
+              <a:t>Composition</a:t>
+            </a:r>
+          </a:p>
+          <a:p>
+            <a:r>
+              <a:rPr lang="en-US" sz="1800" dirty="0"/>
+              <a:t>Distribution</a:t>
+            </a:r>
+          </a:p>
+          <a:p>
+            <a:r>
+              <a:rPr lang="en-US" sz="1800" dirty="0"/>
+              <a:t>Clusters</a:t>
+            </a:r>
+            <a:endParaRPr lang="en-US" dirty="0"/>
+          </a:p>
+        </p:txBody>
+      </p:sp>
+      <p:sp>
+        <p:nvSpPr>
+          <p:cNvPr id="4" name="Slide Number Placeholder 3">
+            <a:extLst>
+              <a:ext uri="{FF2B5EF4-FFF2-40B4-BE49-F238E27FC236}">
+                <a16:creationId xmlns:a16="http://schemas.microsoft.com/office/drawing/2014/main" id="{27FC047F-E086-BB40-8725-4CFF4B067B3A}"/>
+              </a:ext>
+            </a:extLst>
+          </p:cNvPr>
+          <p:cNvSpPr>
+            <a:spLocks noGrp="1"/>
+          </p:cNvSpPr>
+          <p:nvPr>
+            <p:ph type="sldNum" sz="quarter" idx="12"/>
+          </p:nvPr>
+        </p:nvSpPr>
+        <p:spPr/>
+        <p:txBody>
+          <a:bodyPr/>
+          <a:lstStyle/>
+          <a:p>
+            <a:fld id="{FD268959-0C7B-DE40-B0DF-834DF71CC0C8}" type="slidenum">
+              <a:rPr lang="en-US" smtClean="0"/>
+              <a:t>24</a:t>
+            </a:fld>
+            <a:endParaRPr lang="en-US"/>
+          </a:p>
+        </p:txBody>
+      </p:sp>
+      <p:sp>
+        <p:nvSpPr>
+          <p:cNvPr id="5" name="Left Brace 4">
+            <a:extLst>
+              <a:ext uri="{FF2B5EF4-FFF2-40B4-BE49-F238E27FC236}">
+                <a16:creationId xmlns:a16="http://schemas.microsoft.com/office/drawing/2014/main" id="{01A293C4-6D99-A446-8FD3-EF405A190689}"/>
+              </a:ext>
+            </a:extLst>
+          </p:cNvPr>
+          <p:cNvSpPr/>
+          <p:nvPr/>
+        </p:nvSpPr>
+        <p:spPr>
+          <a:xfrm>
+            <a:off x="8908256" y="1012941"/>
+            <a:ext cx="335756" cy="4950618"/>
+          </a:xfrm>
+          <a:prstGeom prst="leftBrace">
+            <a:avLst/>
+          </a:prstGeom>
+        </p:spPr>
+        <p:style>
+          <a:lnRef idx="1">
+            <a:schemeClr val="accent1"/>
+          </a:lnRef>
+          <a:fillRef idx="0">
+            <a:schemeClr val="accent1"/>
+          </a:fillRef>
+          <a:effectRef idx="0">
+            <a:schemeClr val="accent1"/>
+          </a:effectRef>
+          <a:fontRef idx="minor">
+            <a:schemeClr val="tx1"/>
+          </a:fontRef>
+        </p:style>
+        <p:txBody>
+          <a:bodyPr rtlCol="0" anchor="ctr"/>
+          <a:lstStyle/>
+          <a:p>
+            <a:pPr algn="ctr"/>
+            <a:endParaRPr lang="en-US"/>
+          </a:p>
+        </p:txBody>
+      </p:sp>
+      <p:sp>
+        <p:nvSpPr>
+          <p:cNvPr id="6" name="TextBox 5">
+            <a:extLst>
+              <a:ext uri="{FF2B5EF4-FFF2-40B4-BE49-F238E27FC236}">
+                <a16:creationId xmlns:a16="http://schemas.microsoft.com/office/drawing/2014/main" id="{EBE8ADC7-E062-AD43-B753-D3FB4FC86BF9}"/>
+              </a:ext>
+            </a:extLst>
+          </p:cNvPr>
+          <p:cNvSpPr txBox="1"/>
+          <p:nvPr/>
+        </p:nvSpPr>
+        <p:spPr>
+          <a:xfrm>
+            <a:off x="8108037" y="3303584"/>
+            <a:ext cx="800219" cy="369332"/>
+          </a:xfrm>
+          <a:prstGeom prst="rect">
+            <a:avLst/>
+          </a:prstGeom>
+          <a:noFill/>
+        </p:spPr>
+        <p:txBody>
+          <a:bodyPr wrap="none" rtlCol="0">
+            <a:spAutoFit/>
+          </a:bodyPr>
+          <a:lstStyle/>
+          <a:p>
+            <a:r>
+              <a:rPr lang="en-US" dirty="0"/>
+              <a:t>Finish</a:t>
+            </a:r>
+          </a:p>
+        </p:txBody>
+      </p:sp>
+      <p:sp>
+        <p:nvSpPr>
+          <p:cNvPr id="7" name="TextBox 6">
+            <a:extLst>
+              <a:ext uri="{FF2B5EF4-FFF2-40B4-BE49-F238E27FC236}">
+                <a16:creationId xmlns:a16="http://schemas.microsoft.com/office/drawing/2014/main" id="{77FFC5DC-FC2F-ED49-8F90-D84CF4538715}"/>
+              </a:ext>
+            </a:extLst>
+          </p:cNvPr>
+          <p:cNvSpPr txBox="1"/>
+          <p:nvPr/>
+        </p:nvSpPr>
+        <p:spPr>
+          <a:xfrm>
+            <a:off x="773906" y="3303584"/>
+            <a:ext cx="671979" cy="369332"/>
+          </a:xfrm>
+          <a:prstGeom prst="rect">
+            <a:avLst/>
+          </a:prstGeom>
+          <a:noFill/>
+        </p:spPr>
+        <p:txBody>
+          <a:bodyPr wrap="none" rtlCol="0">
+            <a:spAutoFit/>
+          </a:bodyPr>
+          <a:lstStyle/>
+          <a:p>
+            <a:r>
+              <a:rPr lang="en-US" dirty="0"/>
+              <a:t>Start</a:t>
+            </a:r>
+          </a:p>
+        </p:txBody>
+      </p:sp>
+      <p:sp>
+        <p:nvSpPr>
+          <p:cNvPr id="8" name="TextBox 7">
+            <a:extLst>
+              <a:ext uri="{FF2B5EF4-FFF2-40B4-BE49-F238E27FC236}">
+                <a16:creationId xmlns:a16="http://schemas.microsoft.com/office/drawing/2014/main" id="{DEAB5C37-557E-B94D-9716-56FF578A066B}"/>
+              </a:ext>
+            </a:extLst>
+          </p:cNvPr>
+          <p:cNvSpPr txBox="1"/>
+          <p:nvPr/>
+        </p:nvSpPr>
+        <p:spPr>
+          <a:xfrm>
+            <a:off x="4620508" y="3303584"/>
+            <a:ext cx="312906" cy="369332"/>
+          </a:xfrm>
+          <a:prstGeom prst="rect">
+            <a:avLst/>
+          </a:prstGeom>
+          <a:noFill/>
+        </p:spPr>
+        <p:txBody>
+          <a:bodyPr wrap="none" rtlCol="0">
+            <a:spAutoFit/>
+          </a:bodyPr>
+          <a:lstStyle/>
+          <a:p>
+            <a:r>
+              <a:rPr lang="en-US" dirty="0"/>
+              <a:t>?</a:t>
+            </a:r>
+          </a:p>
+        </p:txBody>
+      </p:sp>
+      <p:sp>
+        <p:nvSpPr>
+          <p:cNvPr id="9" name="TextBox 8">
+            <a:extLst>
+              <a:ext uri="{FF2B5EF4-FFF2-40B4-BE49-F238E27FC236}">
+                <a16:creationId xmlns:a16="http://schemas.microsoft.com/office/drawing/2014/main" id="{3F5AD50A-2467-8746-9C88-ABF195F46E76}"/>
+              </a:ext>
+            </a:extLst>
+          </p:cNvPr>
+          <p:cNvSpPr txBox="1"/>
+          <p:nvPr/>
+        </p:nvSpPr>
+        <p:spPr>
+          <a:xfrm>
+            <a:off x="4113959" y="3582627"/>
+            <a:ext cx="1326004" cy="369332"/>
+          </a:xfrm>
+          <a:prstGeom prst="rect">
+            <a:avLst/>
+          </a:prstGeom>
+          <a:noFill/>
+        </p:spPr>
+        <p:txBody>
+          <a:bodyPr wrap="none" rtlCol="0">
+            <a:spAutoFit/>
+          </a:bodyPr>
+          <a:lstStyle/>
+          <a:p>
+            <a:r>
+              <a:rPr lang="en-US" dirty="0"/>
+              <a:t>no set path</a:t>
+            </a:r>
+          </a:p>
+        </p:txBody>
+      </p:sp>
+      <p:cxnSp>
+        <p:nvCxnSpPr>
+          <p:cNvPr id="15" name="Straight Arrow Connector 14">
+            <a:extLst>
+              <a:ext uri="{FF2B5EF4-FFF2-40B4-BE49-F238E27FC236}">
+                <a16:creationId xmlns:a16="http://schemas.microsoft.com/office/drawing/2014/main" id="{4D2DF5F9-15C6-4444-910A-C4685A47ACF4}"/>
+              </a:ext>
+            </a:extLst>
+          </p:cNvPr>
+          <p:cNvCxnSpPr/>
+          <p:nvPr/>
+        </p:nvCxnSpPr>
+        <p:spPr>
+          <a:xfrm>
+            <a:off x="1557338" y="3488250"/>
+            <a:ext cx="2957512" cy="0"/>
+          </a:xfrm>
+          <a:prstGeom prst="straightConnector1">
+            <a:avLst/>
+          </a:prstGeom>
+          <a:ln>
+            <a:tailEnd type="triangle"/>
+          </a:ln>
+        </p:spPr>
+        <p:style>
+          <a:lnRef idx="1">
+            <a:schemeClr val="accent1"/>
+          </a:lnRef>
+          <a:fillRef idx="0">
+            <a:schemeClr val="accent1"/>
+          </a:fillRef>
+          <a:effectRef idx="0">
+            <a:schemeClr val="accent1"/>
+          </a:effectRef>
+          <a:fontRef idx="minor">
+            <a:schemeClr val="tx1"/>
+          </a:fontRef>
+        </p:style>
+      </p:cxnSp>
+      <p:cxnSp>
+        <p:nvCxnSpPr>
+          <p:cNvPr id="16" name="Straight Arrow Connector 15">
+            <a:extLst>
+              <a:ext uri="{FF2B5EF4-FFF2-40B4-BE49-F238E27FC236}">
+                <a16:creationId xmlns:a16="http://schemas.microsoft.com/office/drawing/2014/main" id="{3DBC2E86-657D-244A-9C8F-3CEB197C5D7F}"/>
+              </a:ext>
+            </a:extLst>
+          </p:cNvPr>
+          <p:cNvCxnSpPr/>
+          <p:nvPr/>
+        </p:nvCxnSpPr>
+        <p:spPr>
+          <a:xfrm>
+            <a:off x="5020618" y="3485587"/>
+            <a:ext cx="2957512" cy="0"/>
+          </a:xfrm>
+          <a:prstGeom prst="straightConnector1">
+            <a:avLst/>
+          </a:prstGeom>
+          <a:ln>
+            <a:tailEnd type="triangle"/>
+          </a:ln>
+        </p:spPr>
+        <p:style>
+          <a:lnRef idx="1">
+            <a:schemeClr val="accent1"/>
+          </a:lnRef>
+          <a:fillRef idx="0">
+            <a:schemeClr val="accent1"/>
+          </a:fillRef>
+          <a:effectRef idx="0">
+            <a:schemeClr val="accent1"/>
+          </a:effectRef>
+          <a:fontRef idx="minor">
+            <a:schemeClr val="tx1"/>
+          </a:fontRef>
+        </p:style>
+      </p:cxnSp>
+      <p:sp>
+        <p:nvSpPr>
+          <p:cNvPr id="17" name="TextBox 16">
+            <a:extLst>
+              <a:ext uri="{FF2B5EF4-FFF2-40B4-BE49-F238E27FC236}">
+                <a16:creationId xmlns:a16="http://schemas.microsoft.com/office/drawing/2014/main" id="{CAC4A431-4653-1A43-8017-9C0926BFCFBB}"/>
+              </a:ext>
+            </a:extLst>
+          </p:cNvPr>
+          <p:cNvSpPr txBox="1"/>
+          <p:nvPr/>
+        </p:nvSpPr>
+        <p:spPr>
+          <a:xfrm>
+            <a:off x="4113959" y="1808903"/>
+            <a:ext cx="1326004" cy="646331"/>
+          </a:xfrm>
+          <a:prstGeom prst="rect">
+            <a:avLst/>
+          </a:prstGeom>
+          <a:noFill/>
+        </p:spPr>
+        <p:txBody>
+          <a:bodyPr wrap="square" rtlCol="0">
+            <a:spAutoFit/>
+          </a:bodyPr>
+          <a:lstStyle/>
+          <a:p>
+            <a:r>
+              <a:rPr lang="en-US" dirty="0"/>
+              <a:t>Domain Knowledge</a:t>
+            </a:r>
+          </a:p>
+        </p:txBody>
+      </p:sp>
+      <p:cxnSp>
+        <p:nvCxnSpPr>
+          <p:cNvPr id="19" name="Straight Arrow Connector 18">
+            <a:extLst>
+              <a:ext uri="{FF2B5EF4-FFF2-40B4-BE49-F238E27FC236}">
+                <a16:creationId xmlns:a16="http://schemas.microsoft.com/office/drawing/2014/main" id="{5C81E03B-B91B-864A-B764-5A744996AC92}"/>
+              </a:ext>
+            </a:extLst>
+          </p:cNvPr>
+          <p:cNvCxnSpPr/>
+          <p:nvPr/>
+        </p:nvCxnSpPr>
+        <p:spPr>
+          <a:xfrm>
+            <a:off x="4776961" y="2607469"/>
+            <a:ext cx="0" cy="506433"/>
+          </a:xfrm>
+          <a:prstGeom prst="straightConnector1">
+            <a:avLst/>
+          </a:prstGeom>
+          <a:ln>
+            <a:tailEnd type="triangle"/>
+          </a:ln>
+        </p:spPr>
+        <p:style>
+          <a:lnRef idx="1">
+            <a:schemeClr val="accent1"/>
+          </a:lnRef>
+          <a:fillRef idx="0">
+            <a:schemeClr val="accent1"/>
+          </a:fillRef>
+          <a:effectRef idx="0">
+            <a:schemeClr val="accent1"/>
+          </a:effectRef>
+          <a:fontRef idx="minor">
+            <a:schemeClr val="tx1"/>
+          </a:fontRef>
+        </p:style>
+      </p:cxnSp>
+      <p:sp>
+        <p:nvSpPr>
+          <p:cNvPr id="20" name="TextBox 19">
+            <a:extLst>
+              <a:ext uri="{FF2B5EF4-FFF2-40B4-BE49-F238E27FC236}">
+                <a16:creationId xmlns:a16="http://schemas.microsoft.com/office/drawing/2014/main" id="{B8CFC133-A38A-A74D-BE76-08125BBBE175}"/>
+              </a:ext>
+            </a:extLst>
+          </p:cNvPr>
+          <p:cNvSpPr txBox="1"/>
+          <p:nvPr/>
+        </p:nvSpPr>
+        <p:spPr>
+          <a:xfrm>
+            <a:off x="2068005" y="4043926"/>
+            <a:ext cx="1521265" cy="954107"/>
+          </a:xfrm>
+          <a:prstGeom prst="rect">
+            <a:avLst/>
+          </a:prstGeom>
+          <a:noFill/>
+        </p:spPr>
+        <p:txBody>
+          <a:bodyPr wrap="square" rtlCol="0">
+            <a:spAutoFit/>
+          </a:bodyPr>
+          <a:lstStyle/>
+          <a:p>
+            <a:pPr marL="285750" indent="-285750">
+              <a:buFont typeface="Arial" panose="020B0604020202020204" pitchFamily="34" charset="0"/>
+              <a:buChar char="•"/>
+            </a:pPr>
+            <a:r>
+              <a:rPr lang="en-US" sz="1400" dirty="0"/>
+              <a:t>duplicates</a:t>
+            </a:r>
+          </a:p>
+          <a:p>
+            <a:pPr marL="285750" indent="-285750">
+              <a:buFont typeface="Arial" panose="020B0604020202020204" pitchFamily="34" charset="0"/>
+              <a:buChar char="•"/>
+            </a:pPr>
+            <a:r>
+              <a:rPr lang="en-US" sz="1400" dirty="0"/>
+              <a:t>missing</a:t>
+            </a:r>
+          </a:p>
+          <a:p>
+            <a:pPr marL="285750" indent="-285750">
+              <a:buFont typeface="Arial" panose="020B0604020202020204" pitchFamily="34" charset="0"/>
+              <a:buChar char="•"/>
+            </a:pPr>
+            <a:r>
+              <a:rPr lang="en-US" sz="1400" dirty="0"/>
+              <a:t>quality</a:t>
+            </a:r>
+          </a:p>
+          <a:p>
+            <a:pPr marL="285750" indent="-285750">
+              <a:buFont typeface="Arial" panose="020B0604020202020204" pitchFamily="34" charset="0"/>
+              <a:buChar char="•"/>
+            </a:pPr>
+            <a:r>
+              <a:rPr lang="en-US" sz="1400" dirty="0"/>
+              <a:t>usefulness</a:t>
+            </a:r>
+          </a:p>
+        </p:txBody>
+      </p:sp>
+      <p:sp>
+        <p:nvSpPr>
+          <p:cNvPr id="21" name="Right Brace 20">
+            <a:extLst>
+              <a:ext uri="{FF2B5EF4-FFF2-40B4-BE49-F238E27FC236}">
+                <a16:creationId xmlns:a16="http://schemas.microsoft.com/office/drawing/2014/main" id="{2712BA95-4718-524C-8D56-6AFCC3B22A66}"/>
+              </a:ext>
+            </a:extLst>
+          </p:cNvPr>
+          <p:cNvSpPr/>
+          <p:nvPr/>
+        </p:nvSpPr>
+        <p:spPr>
+          <a:xfrm>
+            <a:off x="3382101" y="4540073"/>
+            <a:ext cx="121444" cy="385762"/>
+          </a:xfrm>
+          <a:prstGeom prst="rightBrace">
+            <a:avLst/>
+          </a:prstGeom>
+        </p:spPr>
+        <p:style>
+          <a:lnRef idx="1">
+            <a:schemeClr val="accent1"/>
+          </a:lnRef>
+          <a:fillRef idx="0">
+            <a:schemeClr val="accent1"/>
+          </a:fillRef>
+          <a:effectRef idx="0">
+            <a:schemeClr val="accent1"/>
+          </a:effectRef>
+          <a:fontRef idx="minor">
+            <a:schemeClr val="tx1"/>
+          </a:fontRef>
+        </p:style>
+        <p:txBody>
+          <a:bodyPr rtlCol="0" anchor="ctr"/>
+          <a:lstStyle/>
+          <a:p>
+            <a:pPr algn="ctr"/>
+            <a:endParaRPr lang="en-US"/>
+          </a:p>
+        </p:txBody>
+      </p:sp>
+      <p:sp>
+        <p:nvSpPr>
+          <p:cNvPr id="22" name="TextBox 21">
+            <a:extLst>
+              <a:ext uri="{FF2B5EF4-FFF2-40B4-BE49-F238E27FC236}">
+                <a16:creationId xmlns:a16="http://schemas.microsoft.com/office/drawing/2014/main" id="{BC068A2E-9DE5-9F4B-B8FC-A8A97774D50E}"/>
+              </a:ext>
+            </a:extLst>
+          </p:cNvPr>
+          <p:cNvSpPr txBox="1"/>
+          <p:nvPr/>
+        </p:nvSpPr>
+        <p:spPr>
+          <a:xfrm>
+            <a:off x="3589270" y="4604026"/>
+            <a:ext cx="1521265" cy="954107"/>
+          </a:xfrm>
+          <a:prstGeom prst="rect">
+            <a:avLst/>
+          </a:prstGeom>
+          <a:noFill/>
+        </p:spPr>
+        <p:txBody>
+          <a:bodyPr wrap="square" rtlCol="0">
+            <a:spAutoFit/>
+          </a:bodyPr>
+          <a:lstStyle/>
+          <a:p>
+            <a:pPr marL="285750" indent="-285750">
+              <a:buFont typeface="Arial" panose="020B0604020202020204" pitchFamily="34" charset="0"/>
+              <a:buChar char="•"/>
+            </a:pPr>
+            <a:r>
+              <a:rPr lang="en-US" sz="1400" dirty="0"/>
+              <a:t>bar charts</a:t>
+            </a:r>
+          </a:p>
+          <a:p>
+            <a:pPr marL="285750" indent="-285750">
+              <a:buFont typeface="Arial" panose="020B0604020202020204" pitchFamily="34" charset="0"/>
+              <a:buChar char="•"/>
+            </a:pPr>
+            <a:r>
+              <a:rPr lang="en-US" sz="1400" dirty="0"/>
+              <a:t>histograms</a:t>
+            </a:r>
+          </a:p>
+          <a:p>
+            <a:pPr marL="285750" indent="-285750">
+              <a:buFont typeface="Arial" panose="020B0604020202020204" pitchFamily="34" charset="0"/>
+              <a:buChar char="•"/>
+            </a:pPr>
+            <a:r>
+              <a:rPr lang="en-US" sz="1400" dirty="0"/>
+              <a:t>boxplots</a:t>
+            </a:r>
+          </a:p>
+          <a:p>
+            <a:pPr marL="285750" indent="-285750">
+              <a:buFont typeface="Arial" panose="020B0604020202020204" pitchFamily="34" charset="0"/>
+              <a:buChar char="•"/>
+            </a:pPr>
+            <a:r>
+              <a:rPr lang="en-US" sz="1400" dirty="0"/>
+              <a:t>correlations</a:t>
+            </a:r>
+          </a:p>
+        </p:txBody>
+      </p:sp>
+      <p:sp>
+        <p:nvSpPr>
+          <p:cNvPr id="23" name="TextBox 22">
+            <a:extLst>
+              <a:ext uri="{FF2B5EF4-FFF2-40B4-BE49-F238E27FC236}">
+                <a16:creationId xmlns:a16="http://schemas.microsoft.com/office/drawing/2014/main" id="{F8EA1392-72AF-A747-B0F1-E34FAEDCEADF}"/>
+              </a:ext>
+            </a:extLst>
+          </p:cNvPr>
+          <p:cNvSpPr txBox="1"/>
+          <p:nvPr/>
+        </p:nvSpPr>
+        <p:spPr>
+          <a:xfrm>
+            <a:off x="1938507" y="3223733"/>
+            <a:ext cx="2281891" cy="276999"/>
+          </a:xfrm>
+          <a:prstGeom prst="rect">
+            <a:avLst/>
+          </a:prstGeom>
+          <a:noFill/>
+        </p:spPr>
+        <p:txBody>
+          <a:bodyPr wrap="square" rtlCol="0">
+            <a:spAutoFit/>
+          </a:bodyPr>
+          <a:lstStyle/>
+          <a:p>
+            <a:r>
+              <a:rPr lang="en-US" sz="1200" dirty="0"/>
+              <a:t>Broad, general questions</a:t>
+            </a:r>
+          </a:p>
+        </p:txBody>
+      </p:sp>
+      <p:sp>
+        <p:nvSpPr>
+          <p:cNvPr id="25" name="TextBox 24">
+            <a:extLst>
+              <a:ext uri="{FF2B5EF4-FFF2-40B4-BE49-F238E27FC236}">
+                <a16:creationId xmlns:a16="http://schemas.microsoft.com/office/drawing/2014/main" id="{EAAE97F0-97AD-534F-AACB-2CC2984C2259}"/>
+              </a:ext>
+            </a:extLst>
+          </p:cNvPr>
+          <p:cNvSpPr txBox="1"/>
+          <p:nvPr/>
+        </p:nvSpPr>
+        <p:spPr>
+          <a:xfrm>
+            <a:off x="3280302" y="5742798"/>
+            <a:ext cx="2139199" cy="830997"/>
+          </a:xfrm>
+          <a:prstGeom prst="rect">
+            <a:avLst/>
+          </a:prstGeom>
+          <a:noFill/>
+        </p:spPr>
+        <p:txBody>
+          <a:bodyPr wrap="square" rtlCol="0">
+            <a:spAutoFit/>
+          </a:bodyPr>
+          <a:lstStyle/>
+          <a:p>
+            <a:r>
+              <a:rPr lang="en-US" sz="1200" dirty="0"/>
+              <a:t>Questions – Round 2</a:t>
+            </a:r>
+          </a:p>
+          <a:p>
+            <a:pPr marL="285750" indent="-285750">
+              <a:buFont typeface="Arial" panose="020B0604020202020204" pitchFamily="34" charset="0"/>
+              <a:buChar char="•"/>
+            </a:pPr>
+            <a:r>
+              <a:rPr lang="en-US" sz="1200" dirty="0"/>
+              <a:t>more specific</a:t>
+            </a:r>
+          </a:p>
+          <a:p>
+            <a:pPr marL="285750" indent="-285750">
+              <a:buFont typeface="Arial" panose="020B0604020202020204" pitchFamily="34" charset="0"/>
+              <a:buChar char="•"/>
+            </a:pPr>
+            <a:r>
+              <a:rPr lang="en-US" sz="1200" dirty="0"/>
+              <a:t>may have answers that are not interesting</a:t>
+            </a:r>
+          </a:p>
+        </p:txBody>
+      </p:sp>
+      <p:cxnSp>
+        <p:nvCxnSpPr>
+          <p:cNvPr id="27" name="Straight Arrow Connector 26">
+            <a:extLst>
+              <a:ext uri="{FF2B5EF4-FFF2-40B4-BE49-F238E27FC236}">
+                <a16:creationId xmlns:a16="http://schemas.microsoft.com/office/drawing/2014/main" id="{8DFB9829-329E-374E-A9E4-C730DB89FE48}"/>
+              </a:ext>
+            </a:extLst>
+          </p:cNvPr>
+          <p:cNvCxnSpPr>
+            <a:stCxn id="22" idx="2"/>
+          </p:cNvCxnSpPr>
+          <p:nvPr/>
+        </p:nvCxnSpPr>
+        <p:spPr>
+          <a:xfrm flipH="1">
+            <a:off x="4349902" y="5558133"/>
+            <a:ext cx="1" cy="172184"/>
+          </a:xfrm>
+          <a:prstGeom prst="straightConnector1">
+            <a:avLst/>
+          </a:prstGeom>
+          <a:ln>
+            <a:tailEnd type="triangle"/>
+          </a:ln>
+        </p:spPr>
+        <p:style>
+          <a:lnRef idx="1">
+            <a:schemeClr val="accent1"/>
+          </a:lnRef>
+          <a:fillRef idx="0">
+            <a:schemeClr val="accent1"/>
+          </a:fillRef>
+          <a:effectRef idx="0">
+            <a:schemeClr val="accent1"/>
+          </a:effectRef>
+          <a:fontRef idx="minor">
+            <a:schemeClr val="tx1"/>
+          </a:fontRef>
+        </p:style>
+      </p:cxnSp>
+      <p:sp>
+        <p:nvSpPr>
+          <p:cNvPr id="28" name="TextBox 27">
+            <a:extLst>
+              <a:ext uri="{FF2B5EF4-FFF2-40B4-BE49-F238E27FC236}">
+                <a16:creationId xmlns:a16="http://schemas.microsoft.com/office/drawing/2014/main" id="{C47A1BC3-36EA-3446-A555-F9E8F1CD47D1}"/>
+              </a:ext>
+            </a:extLst>
+          </p:cNvPr>
+          <p:cNvSpPr txBox="1"/>
+          <p:nvPr/>
+        </p:nvSpPr>
+        <p:spPr>
+          <a:xfrm>
+            <a:off x="5910754" y="5340603"/>
+            <a:ext cx="2305530" cy="738664"/>
+          </a:xfrm>
+          <a:prstGeom prst="rect">
+            <a:avLst/>
+          </a:prstGeom>
+          <a:noFill/>
+        </p:spPr>
+        <p:txBody>
+          <a:bodyPr wrap="square" rtlCol="0">
+            <a:spAutoFit/>
+          </a:bodyPr>
+          <a:lstStyle/>
+          <a:p>
+            <a:pPr marL="285750" indent="-285750">
+              <a:buFont typeface="Arial" panose="020B0604020202020204" pitchFamily="34" charset="0"/>
+              <a:buChar char="•"/>
+            </a:pPr>
+            <a:r>
+              <a:rPr lang="en-US" sz="1400" dirty="0"/>
+              <a:t>new features</a:t>
+            </a:r>
+          </a:p>
+          <a:p>
+            <a:pPr marL="285750" indent="-285750">
+              <a:buFont typeface="Arial" panose="020B0604020202020204" pitchFamily="34" charset="0"/>
+              <a:buChar char="•"/>
+            </a:pPr>
+            <a:r>
+              <a:rPr lang="en-US" sz="1400" dirty="0"/>
+              <a:t>grouping (aggregation)</a:t>
+            </a:r>
+          </a:p>
+          <a:p>
+            <a:pPr marL="285750" indent="-285750">
+              <a:buFont typeface="Arial" panose="020B0604020202020204" pitchFamily="34" charset="0"/>
+              <a:buChar char="•"/>
+            </a:pPr>
+            <a:r>
+              <a:rPr lang="en-US" sz="1400" dirty="0"/>
+              <a:t>more questions</a:t>
+            </a:r>
+          </a:p>
+        </p:txBody>
+      </p:sp>
+      <p:sp>
+        <p:nvSpPr>
+          <p:cNvPr id="29" name="Right Brace 28">
+            <a:extLst>
+              <a:ext uri="{FF2B5EF4-FFF2-40B4-BE49-F238E27FC236}">
+                <a16:creationId xmlns:a16="http://schemas.microsoft.com/office/drawing/2014/main" id="{81745CE4-893A-FF4E-BFEA-C37DF7F04231}"/>
+              </a:ext>
+            </a:extLst>
+          </p:cNvPr>
+          <p:cNvSpPr/>
+          <p:nvPr/>
+        </p:nvSpPr>
+        <p:spPr>
+          <a:xfrm>
+            <a:off x="5337852" y="4672754"/>
+            <a:ext cx="192309" cy="1883527"/>
+          </a:xfrm>
+          <a:prstGeom prst="rightBrace">
+            <a:avLst/>
+          </a:prstGeom>
+        </p:spPr>
+        <p:style>
+          <a:lnRef idx="1">
+            <a:schemeClr val="accent1"/>
+          </a:lnRef>
+          <a:fillRef idx="0">
+            <a:schemeClr val="accent1"/>
+          </a:fillRef>
+          <a:effectRef idx="0">
+            <a:schemeClr val="accent1"/>
+          </a:effectRef>
+          <a:fontRef idx="minor">
+            <a:schemeClr val="tx1"/>
+          </a:fontRef>
+        </p:style>
+        <p:txBody>
+          <a:bodyPr rtlCol="0" anchor="ctr"/>
+          <a:lstStyle/>
+          <a:p>
+            <a:pPr algn="ctr"/>
+            <a:endParaRPr lang="en-US"/>
+          </a:p>
+        </p:txBody>
+      </p:sp>
+    </p:spTree>
+    <p:extLst>
+      <p:ext uri="{BB962C8B-B14F-4D97-AF65-F5344CB8AC3E}">
+        <p14:creationId xmlns:p14="http://schemas.microsoft.com/office/powerpoint/2010/main" val="3945591917"/>
+      </p:ext>
+    </p:extLst>
+  </p:cSld>
+  <p:clrMapOvr>
+    <a:masterClrMapping/>
+  </p:clrMapOvr>
+</p:sld>
+</file>
+
+<file path=ppt/slides/slide25.xml><?xml version="1.0" encoding="utf-8"?>
+<p:sld xmlns:a="http://schemas.openxmlformats.org/drawingml/2006/main" xmlns:r="http://schemas.openxmlformats.org/officeDocument/2006/relationships" xmlns:p="http://schemas.openxmlformats.org/presentationml/2006/main">
+  <p:cSld>
+    <p:spTree>
+      <p:nvGrpSpPr>
+        <p:cNvPr id="1" name=""/>
+        <p:cNvGrpSpPr/>
+        <p:nvPr/>
+      </p:nvGrpSpPr>
+      <p:grpSpPr>
+        <a:xfrm>
+          <a:off x="0" y="0"/>
+          <a:ext cx="0" cy="0"/>
+          <a:chOff x="0" y="0"/>
+          <a:chExt cx="0" cy="0"/>
+        </a:xfrm>
+      </p:grpSpPr>
+      <p:sp>
+        <p:nvSpPr>
+          <p:cNvPr id="2" name="Title 1">
+            <a:extLst>
+              <a:ext uri="{FF2B5EF4-FFF2-40B4-BE49-F238E27FC236}">
+                <a16:creationId xmlns:a16="http://schemas.microsoft.com/office/drawing/2014/main" id="{3024FD09-1FC8-C441-B3C9-5AB4CB5F9350}"/>
+              </a:ext>
+            </a:extLst>
+          </p:cNvPr>
+          <p:cNvSpPr>
+            <a:spLocks noGrp="1"/>
+          </p:cNvSpPr>
+          <p:nvPr>
+            <p:ph type="title"/>
+          </p:nvPr>
+        </p:nvSpPr>
+        <p:spPr/>
+        <p:txBody>
+          <a:bodyPr/>
+          <a:lstStyle/>
+          <a:p>
+            <a:r>
+              <a:rPr lang="en-US" dirty="0"/>
+              <a:t>Approach to learning Python</a:t>
+            </a:r>
+          </a:p>
+        </p:txBody>
+      </p:sp>
+      <p:sp>
+        <p:nvSpPr>
+          <p:cNvPr id="3" name="Slide Number Placeholder 2">
+            <a:extLst>
+              <a:ext uri="{FF2B5EF4-FFF2-40B4-BE49-F238E27FC236}">
+                <a16:creationId xmlns:a16="http://schemas.microsoft.com/office/drawing/2014/main" id="{0C0AAB60-9450-6A4C-85D5-A3466375F3BD}"/>
+              </a:ext>
+            </a:extLst>
+          </p:cNvPr>
+          <p:cNvSpPr>
+            <a:spLocks noGrp="1"/>
+          </p:cNvSpPr>
+          <p:nvPr>
+            <p:ph type="sldNum" sz="quarter" idx="12"/>
+          </p:nvPr>
+        </p:nvSpPr>
+        <p:spPr/>
+        <p:txBody>
+          <a:bodyPr/>
+          <a:lstStyle/>
+          <a:p>
+            <a:fld id="{7E148853-E3D6-9C4C-AD78-5A3B6F6ECFF0}" type="slidenum">
+              <a:rPr lang="en-US" smtClean="0"/>
+              <a:t>25</a:t>
+            </a:fld>
+            <a:endParaRPr lang="en-US"/>
+          </a:p>
+        </p:txBody>
+      </p:sp>
+      <p:pic>
+        <p:nvPicPr>
+          <p:cNvPr id="5" name="Picture 4">
+            <a:extLst>
+              <a:ext uri="{FF2B5EF4-FFF2-40B4-BE49-F238E27FC236}">
+                <a16:creationId xmlns:a16="http://schemas.microsoft.com/office/drawing/2014/main" id="{06D991A0-AC91-E043-A150-118BDE296691}"/>
+              </a:ext>
+            </a:extLst>
+          </p:cNvPr>
+          <p:cNvPicPr>
+            <a:picLocks noChangeAspect="1"/>
+          </p:cNvPicPr>
+          <p:nvPr/>
+        </p:nvPicPr>
+        <p:blipFill>
+          <a:blip r:embed="rId3"/>
+          <a:stretch>
+            <a:fillRect/>
+          </a:stretch>
+        </p:blipFill>
+        <p:spPr>
+          <a:xfrm>
+            <a:off x="676303" y="1087521"/>
+            <a:ext cx="5767519" cy="3190465"/>
+          </a:xfrm>
+          <a:prstGeom prst="rect">
+            <a:avLst/>
+          </a:prstGeom>
+        </p:spPr>
+      </p:pic>
+      <p:sp>
+        <p:nvSpPr>
+          <p:cNvPr id="6" name="Title 1">
+            <a:extLst>
+              <a:ext uri="{FF2B5EF4-FFF2-40B4-BE49-F238E27FC236}">
+                <a16:creationId xmlns:a16="http://schemas.microsoft.com/office/drawing/2014/main" id="{09FD4BE1-4A1C-4A47-91B8-1D311504C0F5}"/>
+              </a:ext>
+            </a:extLst>
+          </p:cNvPr>
+          <p:cNvSpPr txBox="1">
+            <a:spLocks/>
+          </p:cNvSpPr>
+          <p:nvPr/>
+        </p:nvSpPr>
+        <p:spPr>
+          <a:xfrm>
+            <a:off x="385354" y="4546584"/>
+            <a:ext cx="6740435" cy="2016225"/>
+          </a:xfrm>
+          <a:prstGeom prst="rect">
+            <a:avLst/>
+          </a:prstGeom>
+        </p:spPr>
+        <p:txBody>
+          <a:bodyPr vert="horz" lIns="91440" tIns="45720" rIns="91440" bIns="45720" rtlCol="0" anchor="t">
+            <a:normAutofit fontScale="97500"/>
+          </a:bodyPr>
+          <a:lstStyle>
+            <a:lvl1pPr algn="l" defTabSz="914400" rtl="0" eaLnBrk="1" latinLnBrk="0" hangingPunct="1">
+              <a:lnSpc>
+                <a:spcPct val="90000"/>
+              </a:lnSpc>
+              <a:spcBef>
+                <a:spcPct val="0"/>
+              </a:spcBef>
+              <a:buNone/>
+              <a:defRPr sz="3200" b="1" kern="1200">
+                <a:solidFill>
+                  <a:schemeClr val="tx2"/>
+                </a:solidFill>
+                <a:latin typeface="Arial" panose="020B0604020202020204" pitchFamily="34" charset="0"/>
+                <a:ea typeface="+mj-ea"/>
+                <a:cs typeface="Arial" panose="020B0604020202020204" pitchFamily="34" charset="0"/>
+              </a:defRPr>
+            </a:lvl1pPr>
+          </a:lstStyle>
+          <a:p>
+            <a:pPr marL="233363" indent="-233363">
+              <a:lnSpc>
+                <a:spcPct val="200000"/>
+              </a:lnSpc>
+              <a:buFont typeface="+mj-lt"/>
+              <a:buAutoNum type="arabicPeriod"/>
+            </a:pPr>
+            <a:r>
+              <a:rPr lang="en-US" sz="2000" dirty="0"/>
+              <a:t>A little coding background.</a:t>
+            </a:r>
+          </a:p>
+          <a:p>
+            <a:pPr marL="233363" indent="-233363">
+              <a:lnSpc>
+                <a:spcPct val="200000"/>
+              </a:lnSpc>
+              <a:buFont typeface="+mj-lt"/>
+              <a:buAutoNum type="arabicPeriod"/>
+            </a:pPr>
+            <a:r>
+              <a:rPr lang="en-US" sz="2000" dirty="0"/>
+              <a:t>A high-level pass to learn a lot of basic functionality.</a:t>
+            </a:r>
+          </a:p>
+          <a:p>
+            <a:pPr marL="233363" indent="-233363">
+              <a:lnSpc>
+                <a:spcPct val="200000"/>
+              </a:lnSpc>
+              <a:buFont typeface="+mj-lt"/>
+              <a:buAutoNum type="arabicPeriod"/>
+            </a:pPr>
+            <a:r>
+              <a:rPr lang="en-US" sz="2000" dirty="0"/>
+              <a:t>Expanding into more complex functionality.</a:t>
+            </a:r>
+          </a:p>
+        </p:txBody>
+      </p:sp>
+      <p:pic>
+        <p:nvPicPr>
+          <p:cNvPr id="4" name="Picture 3">
+            <a:extLst>
+              <a:ext uri="{FF2B5EF4-FFF2-40B4-BE49-F238E27FC236}">
+                <a16:creationId xmlns:a16="http://schemas.microsoft.com/office/drawing/2014/main" id="{A3733E92-3279-9CCD-D15A-DE8978915752}"/>
+              </a:ext>
+            </a:extLst>
+          </p:cNvPr>
+          <p:cNvPicPr>
+            <a:picLocks noChangeAspect="1"/>
+          </p:cNvPicPr>
+          <p:nvPr/>
+        </p:nvPicPr>
+        <p:blipFill>
+          <a:blip r:embed="rId4"/>
+          <a:stretch>
+            <a:fillRect/>
+          </a:stretch>
+        </p:blipFill>
+        <p:spPr>
+          <a:xfrm>
+            <a:off x="7653746" y="793750"/>
+            <a:ext cx="4152900" cy="5270500"/>
+          </a:xfrm>
+          <a:prstGeom prst="rect">
+            <a:avLst/>
+          </a:prstGeom>
+          <a:ln>
+            <a:solidFill>
+              <a:schemeClr val="accent1"/>
+            </a:solidFill>
+          </a:ln>
+        </p:spPr>
+      </p:pic>
+    </p:spTree>
+    <p:extLst>
+      <p:ext uri="{BB962C8B-B14F-4D97-AF65-F5344CB8AC3E}">
+        <p14:creationId xmlns:p14="http://schemas.microsoft.com/office/powerpoint/2010/main" val="741928885"/>
       </p:ext>
     </p:extLst>
   </p:cSld>
